--- a/Delredovisning/Sustainable Forms presentation.pptx
+++ b/Delredovisning/Sustainable Forms presentation.pptx
@@ -6,8 +6,14 @@
   </p:sldMasterIdLst>
   <p:sldIdLst>
     <p:sldId id="256" r:id="rId2"/>
-    <p:sldId id="257" r:id="rId3"/>
-    <p:sldId id="258" r:id="rId4"/>
+    <p:sldId id="259" r:id="rId3"/>
+    <p:sldId id="260" r:id="rId4"/>
+    <p:sldId id="264" r:id="rId5"/>
+    <p:sldId id="262" r:id="rId6"/>
+    <p:sldId id="257" r:id="rId7"/>
+    <p:sldId id="258" r:id="rId8"/>
+    <p:sldId id="263" r:id="rId9"/>
+    <p:sldId id="261" r:id="rId10"/>
   </p:sldIdLst>
   <p:sldSz cx="12192000" cy="6858000"/>
   <p:notesSz cx="6858000" cy="9144000"/>
@@ -106,6 +112,11 @@
       </a:defRPr>
     </a:lvl9pPr>
   </p:defaultTextStyle>
+  <p:extLst>
+    <p:ext uri="{EFAFB233-063F-42B5-8137-9DF3F51BA10A}">
+      <p15:sldGuideLst xmlns:p15="http://schemas.microsoft.com/office/powerpoint/2012/main"/>
+    </p:ext>
+  </p:extLst>
 </p:presentation>
 </file>
 
@@ -7939,31 +7950,14 @@
               </a:lnSpc>
             </a:pPr>
             <a:r>
-              <a:rPr lang="sv-SE" sz="2000">
+              <a:rPr lang="sv-SE" sz="2000" dirty="0">
                 <a:solidFill>
                   <a:schemeClr val="tx1">
                     <a:alpha val="60000"/>
                   </a:schemeClr>
                 </a:solidFill>
               </a:rPr>
-              <a:t>Webbaserat rapporteringsverktyg utvecklat på uppdrag av</a:t>
-            </a:r>
-          </a:p>
-          <a:p>
-            <a:pPr>
-              <a:lnSpc>
-                <a:spcPct val="90000"/>
-              </a:lnSpc>
-            </a:pPr>
-            <a:r>
-              <a:rPr lang="sv-SE" sz="2000">
-                <a:solidFill>
-                  <a:schemeClr val="tx1">
-                    <a:alpha val="60000"/>
-                  </a:schemeClr>
-                </a:solidFill>
-              </a:rPr>
-              <a:t>Helsingborg Convention and Event Bureau</a:t>
+              <a:t>Webbaserat rapporteringsverktyg utvecklat på uppdrag av Helsingborg Convention and Event Bureau</a:t>
             </a:r>
           </a:p>
         </p:txBody>
@@ -8650,70 +8644,6 @@
                       </p:childTnLst>
                     </p:cTn>
                   </p:par>
-                  <p:par>
-                    <p:cTn id="11" fill="hold">
-                      <p:stCondLst>
-                        <p:cond delay="indefinite"/>
-                      </p:stCondLst>
-                      <p:childTnLst>
-                        <p:par>
-                          <p:cTn id="12" fill="hold">
-                            <p:stCondLst>
-                              <p:cond delay="0"/>
-                            </p:stCondLst>
-                            <p:childTnLst>
-                              <p:par>
-                                <p:cTn id="13" presetID="10" presetClass="entr" presetSubtype="0" fill="hold" grpId="0" nodeType="clickEffect">
-                                  <p:stCondLst>
-                                    <p:cond delay="2000"/>
-                                  </p:stCondLst>
-                                  <p:iterate type="lt">
-                                    <p:tmPct val="10000"/>
-                                  </p:iterate>
-                                  <p:childTnLst>
-                                    <p:set>
-                                      <p:cBhvr>
-                                        <p:cTn id="14" dur="1" fill="hold">
-                                          <p:stCondLst>
-                                            <p:cond delay="0"/>
-                                          </p:stCondLst>
-                                        </p:cTn>
-                                        <p:tgtEl>
-                                          <p:spTgt spid="3">
-                                            <p:txEl>
-                                              <p:pRg st="1" end="1"/>
-                                            </p:txEl>
-                                          </p:spTgt>
-                                        </p:tgtEl>
-                                        <p:attrNameLst>
-                                          <p:attrName>style.visibility</p:attrName>
-                                        </p:attrNameLst>
-                                      </p:cBhvr>
-                                      <p:to>
-                                        <p:strVal val="visible"/>
-                                      </p:to>
-                                    </p:set>
-                                    <p:animEffect transition="in" filter="fade">
-                                      <p:cBhvr>
-                                        <p:cTn id="15" dur="400"/>
-                                        <p:tgtEl>
-                                          <p:spTgt spid="3">
-                                            <p:txEl>
-                                              <p:pRg st="1" end="1"/>
-                                            </p:txEl>
-                                          </p:spTgt>
-                                        </p:tgtEl>
-                                      </p:cBhvr>
-                                    </p:animEffect>
-                                  </p:childTnLst>
-                                </p:cTn>
-                              </p:par>
-                            </p:childTnLst>
-                          </p:cTn>
-                        </p:par>
-                      </p:childTnLst>
-                    </p:cTn>
-                  </p:par>
                 </p:childTnLst>
               </p:cTn>
               <p:prevCondLst>
@@ -8765,7 +8695,7 @@
           <p:cNvPr id="2" name="Rubrik 1">
             <a:extLst>
               <a:ext uri="{FF2B5EF4-FFF2-40B4-BE49-F238E27FC236}">
-                <a16:creationId xmlns:a16="http://schemas.microsoft.com/office/drawing/2014/main" id="{17435730-1ECE-4013-A9AE-4E214FED0832}"/>
+                <a16:creationId xmlns:a16="http://schemas.microsoft.com/office/drawing/2014/main" id="{6C111A7D-0EE4-422B-98C4-1BA56F5B4233}"/>
               </a:ext>
             </a:extLst>
           </p:cNvPr>
@@ -8778,12 +8708,14 @@
         </p:nvSpPr>
         <p:spPr/>
         <p:txBody>
-          <a:bodyPr/>
+          <a:bodyPr>
+            <a:normAutofit/>
+          </a:bodyPr>
           <a:lstStyle/>
           <a:p>
             <a:r>
-              <a:rPr lang="sv-SE" dirty="0"/>
-              <a:t>Var är vi nu?</a:t>
+              <a:rPr lang="sv-SE" sz="4800" dirty="0"/>
+              <a:t>Var är vi nu? </a:t>
             </a:r>
           </a:p>
         </p:txBody>
@@ -8793,7 +8725,7 @@
           <p:cNvPr id="3" name="Platshållare för innehåll 2">
             <a:extLst>
               <a:ext uri="{FF2B5EF4-FFF2-40B4-BE49-F238E27FC236}">
-                <a16:creationId xmlns:a16="http://schemas.microsoft.com/office/drawing/2014/main" id="{9A5988AF-121F-493F-BE57-EE0811CBA2AE}"/>
+                <a16:creationId xmlns:a16="http://schemas.microsoft.com/office/drawing/2014/main" id="{7F98FC68-7BBE-4365-A81C-21CFE3B7891B}"/>
               </a:ext>
             </a:extLst>
           </p:cNvPr>
@@ -8806,31 +8738,54 @@
         </p:nvSpPr>
         <p:spPr/>
         <p:txBody>
-          <a:bodyPr/>
+          <a:bodyPr>
+            <a:normAutofit/>
+          </a:bodyPr>
           <a:lstStyle/>
           <a:p>
             <a:pPr marL="0" indent="0">
               <a:buNone/>
             </a:pPr>
-            <a:r>
-              <a:rPr lang="sv-SE" dirty="0"/>
-              <a:t>Designval och prototyp</a:t>
-            </a:r>
-          </a:p>
-          <a:p>
-            <a:pPr marL="0" indent="0">
-              <a:buNone/>
-            </a:pPr>
-            <a:endParaRPr lang="sv-SE" dirty="0"/>
+            <a:endParaRPr lang="sv-SE" sz="3600" dirty="0"/>
+          </a:p>
+        </p:txBody>
+      </p:sp>
+      <p:sp>
+        <p:nvSpPr>
+          <p:cNvPr id="4" name="Platshållare för text 3">
+            <a:extLst>
+              <a:ext uri="{FF2B5EF4-FFF2-40B4-BE49-F238E27FC236}">
+                <a16:creationId xmlns:a16="http://schemas.microsoft.com/office/drawing/2014/main" id="{C2F014F2-41CC-4F74-8D6A-D461A555FF7A}"/>
+              </a:ext>
+            </a:extLst>
+          </p:cNvPr>
+          <p:cNvSpPr>
+            <a:spLocks noGrp="1"/>
+          </p:cNvSpPr>
+          <p:nvPr>
+            <p:ph type="body" sz="half" idx="2"/>
+          </p:nvPr>
+        </p:nvSpPr>
+        <p:spPr/>
+        <p:txBody>
+          <a:bodyPr>
+            <a:normAutofit/>
+          </a:bodyPr>
+          <a:lstStyle/>
+          <a:p>
+            <a:r>
+              <a:rPr lang="sv-SE" sz="3600" dirty="0"/>
+              <a:t>Planering		</a:t>
+            </a:r>
           </a:p>
         </p:txBody>
       </p:sp>
       <p:pic>
         <p:nvPicPr>
-          <p:cNvPr id="5" name="Bildobjekt 4">
-            <a:extLst>
-              <a:ext uri="{FF2B5EF4-FFF2-40B4-BE49-F238E27FC236}">
-                <a16:creationId xmlns:a16="http://schemas.microsoft.com/office/drawing/2014/main" id="{2D2A01BE-ABA3-49E3-8CAC-79F1A70CCFD7}"/>
+          <p:cNvPr id="6" name="Bildobjekt 5" descr="En bild som visar bord&#10;&#10;Automatiskt genererad beskrivning">
+            <a:extLst>
+              <a:ext uri="{FF2B5EF4-FFF2-40B4-BE49-F238E27FC236}">
+                <a16:creationId xmlns:a16="http://schemas.microsoft.com/office/drawing/2014/main" id="{240A34B5-9EE5-4917-BAD6-4D59187517E1}"/>
               </a:ext>
             </a:extLst>
           </p:cNvPr>
@@ -8840,37 +8795,7 @@
           <p:nvPr/>
         </p:nvPicPr>
         <p:blipFill>
-          <a:blip r:embed="rId2"/>
-          <a:stretch>
-            <a:fillRect/>
-          </a:stretch>
-        </p:blipFill>
-        <p:spPr>
-          <a:xfrm>
-            <a:off x="5317170" y="544470"/>
-            <a:ext cx="6167695" cy="3854810"/>
-          </a:xfrm>
-          <a:prstGeom prst="rect">
-            <a:avLst/>
-          </a:prstGeom>
-        </p:spPr>
-      </p:pic>
-      <p:pic>
-        <p:nvPicPr>
-          <p:cNvPr id="7" name="Bildobjekt 6" descr="En bild som visar text&#10;&#10;Automatiskt genererad beskrivning">
-            <a:extLst>
-              <a:ext uri="{FF2B5EF4-FFF2-40B4-BE49-F238E27FC236}">
-                <a16:creationId xmlns:a16="http://schemas.microsoft.com/office/drawing/2014/main" id="{2CDD859A-4B68-4D8B-BE6C-5B08BF761BFD}"/>
-              </a:ext>
-            </a:extLst>
-          </p:cNvPr>
-          <p:cNvPicPr>
-            <a:picLocks noChangeAspect="1"/>
-          </p:cNvPicPr>
-          <p:nvPr/>
-        </p:nvPicPr>
-        <p:blipFill>
-          <a:blip r:embed="rId3">
+          <a:blip r:embed="rId2">
             <a:extLst>
               <a:ext uri="{28A0092B-C50C-407E-A947-70E740481C1C}">
                 <a14:useLocalDpi xmlns:a14="http://schemas.microsoft.com/office/drawing/2010/main" val="0"/>
@@ -8883,8 +8808,8 @@
         </p:blipFill>
         <p:spPr>
           <a:xfrm>
-            <a:off x="433028" y="3317202"/>
-            <a:ext cx="3082332" cy="3159283"/>
+            <a:off x="1" y="2874708"/>
+            <a:ext cx="12198390" cy="3704767"/>
           </a:xfrm>
           <a:prstGeom prst="rect">
             <a:avLst/>
@@ -8894,7 +8819,7 @@
     </p:spTree>
     <p:extLst>
       <p:ext uri="{BB962C8B-B14F-4D97-AF65-F5344CB8AC3E}">
-        <p14:creationId xmlns:p14="http://schemas.microsoft.com/office/powerpoint/2010/main" val="1659018595"/>
+        <p14:creationId xmlns:p14="http://schemas.microsoft.com/office/powerpoint/2010/main" val="184268130"/>
       </p:ext>
     </p:extLst>
   </p:cSld>
@@ -8926,6 +8851,516 @@
           <p:cNvPr id="2" name="Rubrik 1">
             <a:extLst>
               <a:ext uri="{FF2B5EF4-FFF2-40B4-BE49-F238E27FC236}">
+                <a16:creationId xmlns:a16="http://schemas.microsoft.com/office/drawing/2014/main" id="{6C111A7D-0EE4-422B-98C4-1BA56F5B4233}"/>
+              </a:ext>
+            </a:extLst>
+          </p:cNvPr>
+          <p:cNvSpPr>
+            <a:spLocks noGrp="1"/>
+          </p:cNvSpPr>
+          <p:nvPr>
+            <p:ph type="title"/>
+          </p:nvPr>
+        </p:nvSpPr>
+        <p:spPr/>
+        <p:txBody>
+          <a:bodyPr>
+            <a:normAutofit/>
+          </a:bodyPr>
+          <a:lstStyle/>
+          <a:p>
+            <a:r>
+              <a:rPr lang="sv-SE" sz="4800" dirty="0"/>
+              <a:t>Var är vi nu? </a:t>
+            </a:r>
+          </a:p>
+        </p:txBody>
+      </p:sp>
+      <p:sp>
+        <p:nvSpPr>
+          <p:cNvPr id="3" name="Platshållare för innehåll 2">
+            <a:extLst>
+              <a:ext uri="{FF2B5EF4-FFF2-40B4-BE49-F238E27FC236}">
+                <a16:creationId xmlns:a16="http://schemas.microsoft.com/office/drawing/2014/main" id="{7F98FC68-7BBE-4365-A81C-21CFE3B7891B}"/>
+              </a:ext>
+            </a:extLst>
+          </p:cNvPr>
+          <p:cNvSpPr>
+            <a:spLocks noGrp="1"/>
+          </p:cNvSpPr>
+          <p:nvPr>
+            <p:ph idx="1"/>
+          </p:nvPr>
+        </p:nvSpPr>
+        <p:spPr/>
+        <p:txBody>
+          <a:bodyPr>
+            <a:normAutofit/>
+          </a:bodyPr>
+          <a:lstStyle/>
+          <a:p>
+            <a:r>
+              <a:rPr lang="sv-SE" sz="3600" dirty="0"/>
+              <a:t>Processrapport</a:t>
+            </a:r>
+          </a:p>
+          <a:p>
+            <a:r>
+              <a:rPr lang="sv-SE" sz="3600" dirty="0"/>
+              <a:t>Arbetsrapport</a:t>
+            </a:r>
+          </a:p>
+          <a:p>
+            <a:r>
+              <a:rPr lang="sv-SE" sz="3600" dirty="0"/>
+              <a:t>Kravspecifikation</a:t>
+            </a:r>
+          </a:p>
+        </p:txBody>
+      </p:sp>
+      <p:sp>
+        <p:nvSpPr>
+          <p:cNvPr id="4" name="Platshållare för text 3">
+            <a:extLst>
+              <a:ext uri="{FF2B5EF4-FFF2-40B4-BE49-F238E27FC236}">
+                <a16:creationId xmlns:a16="http://schemas.microsoft.com/office/drawing/2014/main" id="{C2F014F2-41CC-4F74-8D6A-D461A555FF7A}"/>
+              </a:ext>
+            </a:extLst>
+          </p:cNvPr>
+          <p:cNvSpPr>
+            <a:spLocks noGrp="1"/>
+          </p:cNvSpPr>
+          <p:nvPr>
+            <p:ph type="body" sz="half" idx="2"/>
+          </p:nvPr>
+        </p:nvSpPr>
+        <p:spPr/>
+        <p:txBody>
+          <a:bodyPr>
+            <a:normAutofit/>
+          </a:bodyPr>
+          <a:lstStyle/>
+          <a:p>
+            <a:r>
+              <a:rPr lang="sv-SE" sz="3600" dirty="0"/>
+              <a:t>Dokument</a:t>
+            </a:r>
+          </a:p>
+        </p:txBody>
+      </p:sp>
+    </p:spTree>
+    <p:extLst>
+      <p:ext uri="{BB962C8B-B14F-4D97-AF65-F5344CB8AC3E}">
+        <p14:creationId xmlns:p14="http://schemas.microsoft.com/office/powerpoint/2010/main" val="1499517303"/>
+      </p:ext>
+    </p:extLst>
+  </p:cSld>
+  <p:clrMapOvr>
+    <a:masterClrMapping/>
+  </p:clrMapOvr>
+</p:sld>
+</file>
+
+<file path=ppt/slides/slide4.xml><?xml version="1.0" encoding="utf-8"?>
+<p:sld xmlns:a="http://schemas.openxmlformats.org/drawingml/2006/main" xmlns:r="http://schemas.openxmlformats.org/officeDocument/2006/relationships" xmlns:p="http://schemas.openxmlformats.org/presentationml/2006/main">
+  <p:cSld>
+    <p:spTree>
+      <p:nvGrpSpPr>
+        <p:cNvPr id="1" name=""/>
+        <p:cNvGrpSpPr/>
+        <p:nvPr/>
+      </p:nvGrpSpPr>
+      <p:grpSpPr>
+        <a:xfrm>
+          <a:off x="0" y="0"/>
+          <a:ext cx="0" cy="0"/>
+          <a:chOff x="0" y="0"/>
+          <a:chExt cx="0" cy="0"/>
+        </a:xfrm>
+      </p:grpSpPr>
+      <p:sp>
+        <p:nvSpPr>
+          <p:cNvPr id="2" name="Rubrik 1">
+            <a:extLst>
+              <a:ext uri="{FF2B5EF4-FFF2-40B4-BE49-F238E27FC236}">
+                <a16:creationId xmlns:a16="http://schemas.microsoft.com/office/drawing/2014/main" id="{AE29F9FE-EC85-4E79-BCC8-FFAD2E09D04B}"/>
+              </a:ext>
+            </a:extLst>
+          </p:cNvPr>
+          <p:cNvSpPr>
+            <a:spLocks noGrp="1"/>
+          </p:cNvSpPr>
+          <p:nvPr>
+            <p:ph type="title"/>
+          </p:nvPr>
+        </p:nvSpPr>
+        <p:spPr/>
+        <p:txBody>
+          <a:bodyPr/>
+          <a:lstStyle/>
+          <a:p>
+            <a:r>
+              <a:rPr lang="sv-SE" dirty="0"/>
+              <a:t>Resultat av projektcoachning</a:t>
+            </a:r>
+          </a:p>
+        </p:txBody>
+      </p:sp>
+      <p:sp>
+        <p:nvSpPr>
+          <p:cNvPr id="3" name="Platshållare för innehåll 2">
+            <a:extLst>
+              <a:ext uri="{FF2B5EF4-FFF2-40B4-BE49-F238E27FC236}">
+                <a16:creationId xmlns:a16="http://schemas.microsoft.com/office/drawing/2014/main" id="{67BAD7E8-8DEC-4180-9B03-BBB75641AF6D}"/>
+              </a:ext>
+            </a:extLst>
+          </p:cNvPr>
+          <p:cNvSpPr>
+            <a:spLocks noGrp="1"/>
+          </p:cNvSpPr>
+          <p:nvPr>
+            <p:ph sz="half" idx="1"/>
+          </p:nvPr>
+        </p:nvSpPr>
+        <p:spPr/>
+        <p:txBody>
+          <a:bodyPr/>
+          <a:lstStyle/>
+          <a:p>
+            <a:pPr marL="0" indent="0">
+              <a:buNone/>
+            </a:pPr>
+            <a:r>
+              <a:rPr lang="sv-SE" dirty="0"/>
+              <a:t>Utmaningar</a:t>
+            </a:r>
+          </a:p>
+        </p:txBody>
+      </p:sp>
+      <p:sp>
+        <p:nvSpPr>
+          <p:cNvPr id="4" name="Platshållare för innehåll 3">
+            <a:extLst>
+              <a:ext uri="{FF2B5EF4-FFF2-40B4-BE49-F238E27FC236}">
+                <a16:creationId xmlns:a16="http://schemas.microsoft.com/office/drawing/2014/main" id="{5A625CEB-5F33-476E-BC8C-6CF177CE8FA6}"/>
+              </a:ext>
+            </a:extLst>
+          </p:cNvPr>
+          <p:cNvSpPr>
+            <a:spLocks noGrp="1"/>
+          </p:cNvSpPr>
+          <p:nvPr>
+            <p:ph sz="half" idx="2"/>
+          </p:nvPr>
+        </p:nvSpPr>
+        <p:spPr/>
+        <p:txBody>
+          <a:bodyPr/>
+          <a:lstStyle/>
+          <a:p>
+            <a:pPr marL="0" indent="0">
+              <a:buNone/>
+            </a:pPr>
+            <a:r>
+              <a:rPr lang="sv-SE" dirty="0"/>
+              <a:t>Styrkor</a:t>
+            </a:r>
+          </a:p>
+        </p:txBody>
+      </p:sp>
+    </p:spTree>
+    <p:extLst>
+      <p:ext uri="{BB962C8B-B14F-4D97-AF65-F5344CB8AC3E}">
+        <p14:creationId xmlns:p14="http://schemas.microsoft.com/office/powerpoint/2010/main" val="315823071"/>
+      </p:ext>
+    </p:extLst>
+  </p:cSld>
+  <p:clrMapOvr>
+    <a:masterClrMapping/>
+  </p:clrMapOvr>
+</p:sld>
+</file>
+
+<file path=ppt/slides/slide5.xml><?xml version="1.0" encoding="utf-8"?>
+<p:sld xmlns:a="http://schemas.openxmlformats.org/drawingml/2006/main" xmlns:r="http://schemas.openxmlformats.org/officeDocument/2006/relationships" xmlns:p="http://schemas.openxmlformats.org/presentationml/2006/main">
+  <p:cSld>
+    <p:spTree>
+      <p:nvGrpSpPr>
+        <p:cNvPr id="1" name=""/>
+        <p:cNvGrpSpPr/>
+        <p:nvPr/>
+      </p:nvGrpSpPr>
+      <p:grpSpPr>
+        <a:xfrm>
+          <a:off x="0" y="0"/>
+          <a:ext cx="0" cy="0"/>
+          <a:chOff x="0" y="0"/>
+          <a:chExt cx="0" cy="0"/>
+        </a:xfrm>
+      </p:grpSpPr>
+      <p:sp>
+        <p:nvSpPr>
+          <p:cNvPr id="2" name="Rubrik 1">
+            <a:extLst>
+              <a:ext uri="{FF2B5EF4-FFF2-40B4-BE49-F238E27FC236}">
+                <a16:creationId xmlns:a16="http://schemas.microsoft.com/office/drawing/2014/main" id="{4A73ED04-710A-497D-88FC-AFCF485E217A}"/>
+              </a:ext>
+            </a:extLst>
+          </p:cNvPr>
+          <p:cNvSpPr>
+            <a:spLocks noGrp="1"/>
+          </p:cNvSpPr>
+          <p:nvPr>
+            <p:ph type="title"/>
+          </p:nvPr>
+        </p:nvSpPr>
+        <p:spPr/>
+        <p:txBody>
+          <a:bodyPr/>
+          <a:lstStyle/>
+          <a:p>
+            <a:r>
+              <a:rPr lang="sv-SE" dirty="0"/>
+              <a:t>Design och UX</a:t>
+            </a:r>
+          </a:p>
+        </p:txBody>
+      </p:sp>
+      <p:sp>
+        <p:nvSpPr>
+          <p:cNvPr id="3" name="Platshållare för innehåll 2">
+            <a:extLst>
+              <a:ext uri="{FF2B5EF4-FFF2-40B4-BE49-F238E27FC236}">
+                <a16:creationId xmlns:a16="http://schemas.microsoft.com/office/drawing/2014/main" id="{F70E1F3E-E2D4-4E6A-8F4E-4C4DC11B625F}"/>
+              </a:ext>
+            </a:extLst>
+          </p:cNvPr>
+          <p:cNvSpPr>
+            <a:spLocks noGrp="1"/>
+          </p:cNvSpPr>
+          <p:nvPr>
+            <p:ph idx="1"/>
+          </p:nvPr>
+        </p:nvSpPr>
+        <p:spPr/>
+        <p:txBody>
+          <a:bodyPr/>
+          <a:lstStyle/>
+          <a:p>
+            <a:r>
+              <a:rPr lang="sv-SE" dirty="0"/>
+              <a:t>Användarvänlighet ett centralt krav</a:t>
+            </a:r>
+          </a:p>
+          <a:p>
+            <a:r>
+              <a:rPr lang="sv-SE" dirty="0"/>
+              <a:t>Begränsade valmöjligheter</a:t>
+            </a:r>
+          </a:p>
+          <a:p>
+            <a:r>
+              <a:rPr lang="sv-SE" dirty="0"/>
+              <a:t>Enkelt gränssnitt</a:t>
+            </a:r>
+          </a:p>
+        </p:txBody>
+      </p:sp>
+    </p:spTree>
+    <p:extLst>
+      <p:ext uri="{BB962C8B-B14F-4D97-AF65-F5344CB8AC3E}">
+        <p14:creationId xmlns:p14="http://schemas.microsoft.com/office/powerpoint/2010/main" val="23674263"/>
+      </p:ext>
+    </p:extLst>
+  </p:cSld>
+  <p:clrMapOvr>
+    <a:masterClrMapping/>
+  </p:clrMapOvr>
+</p:sld>
+</file>
+
+<file path=ppt/slides/slide6.xml><?xml version="1.0" encoding="utf-8"?>
+<p:sld xmlns:a="http://schemas.openxmlformats.org/drawingml/2006/main" xmlns:r="http://schemas.openxmlformats.org/officeDocument/2006/relationships" xmlns:p="http://schemas.openxmlformats.org/presentationml/2006/main">
+  <p:cSld>
+    <p:spTree>
+      <p:nvGrpSpPr>
+        <p:cNvPr id="1" name=""/>
+        <p:cNvGrpSpPr/>
+        <p:nvPr/>
+      </p:nvGrpSpPr>
+      <p:grpSpPr>
+        <a:xfrm>
+          <a:off x="0" y="0"/>
+          <a:ext cx="0" cy="0"/>
+          <a:chOff x="0" y="0"/>
+          <a:chExt cx="0" cy="0"/>
+        </a:xfrm>
+      </p:grpSpPr>
+      <p:sp>
+        <p:nvSpPr>
+          <p:cNvPr id="2" name="Rubrik 1">
+            <a:extLst>
+              <a:ext uri="{FF2B5EF4-FFF2-40B4-BE49-F238E27FC236}">
+                <a16:creationId xmlns:a16="http://schemas.microsoft.com/office/drawing/2014/main" id="{17435730-1ECE-4013-A9AE-4E214FED0832}"/>
+              </a:ext>
+            </a:extLst>
+          </p:cNvPr>
+          <p:cNvSpPr>
+            <a:spLocks noGrp="1"/>
+          </p:cNvSpPr>
+          <p:nvPr>
+            <p:ph type="title"/>
+          </p:nvPr>
+        </p:nvSpPr>
+        <p:spPr/>
+        <p:txBody>
+          <a:bodyPr/>
+          <a:lstStyle/>
+          <a:p>
+            <a:r>
+              <a:rPr lang="sv-SE" dirty="0"/>
+              <a:t>Prototyper</a:t>
+            </a:r>
+          </a:p>
+        </p:txBody>
+      </p:sp>
+      <p:sp>
+        <p:nvSpPr>
+          <p:cNvPr id="3" name="Platshållare för innehåll 2">
+            <a:extLst>
+              <a:ext uri="{FF2B5EF4-FFF2-40B4-BE49-F238E27FC236}">
+                <a16:creationId xmlns:a16="http://schemas.microsoft.com/office/drawing/2014/main" id="{9A5988AF-121F-493F-BE57-EE0811CBA2AE}"/>
+              </a:ext>
+            </a:extLst>
+          </p:cNvPr>
+          <p:cNvSpPr>
+            <a:spLocks noGrp="1"/>
+          </p:cNvSpPr>
+          <p:nvPr>
+            <p:ph idx="1"/>
+          </p:nvPr>
+        </p:nvSpPr>
+        <p:spPr>
+          <a:xfrm>
+            <a:off x="550863" y="1713187"/>
+            <a:ext cx="11090274" cy="4379638"/>
+          </a:xfrm>
+        </p:spPr>
+        <p:txBody>
+          <a:bodyPr/>
+          <a:lstStyle/>
+          <a:p>
+            <a:pPr marL="0" indent="0">
+              <a:buNone/>
+            </a:pPr>
+            <a:r>
+              <a:rPr lang="sv-SE" dirty="0"/>
+              <a:t>Tre iterationer av prototyper</a:t>
+            </a:r>
+          </a:p>
+        </p:txBody>
+      </p:sp>
+      <p:pic>
+        <p:nvPicPr>
+          <p:cNvPr id="5" name="Bildobjekt 4">
+            <a:extLst>
+              <a:ext uri="{FF2B5EF4-FFF2-40B4-BE49-F238E27FC236}">
+                <a16:creationId xmlns:a16="http://schemas.microsoft.com/office/drawing/2014/main" id="{2D2A01BE-ABA3-49E3-8CAC-79F1A70CCFD7}"/>
+              </a:ext>
+            </a:extLst>
+          </p:cNvPr>
+          <p:cNvPicPr>
+            <a:picLocks noChangeAspect="1"/>
+          </p:cNvPicPr>
+          <p:nvPr/>
+        </p:nvPicPr>
+        <p:blipFill>
+          <a:blip r:embed="rId2"/>
+          <a:stretch>
+            <a:fillRect/>
+          </a:stretch>
+        </p:blipFill>
+        <p:spPr>
+          <a:xfrm>
+            <a:off x="5213475" y="2621675"/>
+            <a:ext cx="6167695" cy="3854810"/>
+          </a:xfrm>
+          <a:prstGeom prst="rect">
+            <a:avLst/>
+          </a:prstGeom>
+        </p:spPr>
+      </p:pic>
+      <p:pic>
+        <p:nvPicPr>
+          <p:cNvPr id="7" name="Bildobjekt 6" descr="En bild som visar text&#10;&#10;Automatiskt genererad beskrivning">
+            <a:extLst>
+              <a:ext uri="{FF2B5EF4-FFF2-40B4-BE49-F238E27FC236}">
+                <a16:creationId xmlns:a16="http://schemas.microsoft.com/office/drawing/2014/main" id="{2CDD859A-4B68-4D8B-BE6C-5B08BF761BFD}"/>
+              </a:ext>
+            </a:extLst>
+          </p:cNvPr>
+          <p:cNvPicPr>
+            <a:picLocks noChangeAspect="1"/>
+          </p:cNvPicPr>
+          <p:nvPr/>
+        </p:nvPicPr>
+        <p:blipFill>
+          <a:blip r:embed="rId3">
+            <a:extLst>
+              <a:ext uri="{28A0092B-C50C-407E-A947-70E740481C1C}">
+                <a14:useLocalDpi xmlns:a14="http://schemas.microsoft.com/office/drawing/2010/main" val="0"/>
+              </a:ext>
+            </a:extLst>
+          </a:blip>
+          <a:stretch>
+            <a:fillRect/>
+          </a:stretch>
+        </p:blipFill>
+        <p:spPr>
+          <a:xfrm>
+            <a:off x="433027" y="2842898"/>
+            <a:ext cx="3545083" cy="3633587"/>
+          </a:xfrm>
+          <a:prstGeom prst="rect">
+            <a:avLst/>
+          </a:prstGeom>
+        </p:spPr>
+      </p:pic>
+    </p:spTree>
+    <p:extLst>
+      <p:ext uri="{BB962C8B-B14F-4D97-AF65-F5344CB8AC3E}">
+        <p14:creationId xmlns:p14="http://schemas.microsoft.com/office/powerpoint/2010/main" val="1659018595"/>
+      </p:ext>
+    </p:extLst>
+  </p:cSld>
+  <p:clrMapOvr>
+    <a:masterClrMapping/>
+  </p:clrMapOvr>
+</p:sld>
+</file>
+
+<file path=ppt/slides/slide7.xml><?xml version="1.0" encoding="utf-8"?>
+<p:sld xmlns:a="http://schemas.openxmlformats.org/drawingml/2006/main" xmlns:r="http://schemas.openxmlformats.org/officeDocument/2006/relationships" xmlns:p="http://schemas.openxmlformats.org/presentationml/2006/main">
+  <p:cSld>
+    <p:spTree>
+      <p:nvGrpSpPr>
+        <p:cNvPr id="1" name=""/>
+        <p:cNvGrpSpPr/>
+        <p:nvPr/>
+      </p:nvGrpSpPr>
+      <p:grpSpPr>
+        <a:xfrm>
+          <a:off x="0" y="0"/>
+          <a:ext cx="0" cy="0"/>
+          <a:chOff x="0" y="0"/>
+          <a:chExt cx="0" cy="0"/>
+        </a:xfrm>
+      </p:grpSpPr>
+      <p:sp>
+        <p:nvSpPr>
+          <p:cNvPr id="2" name="Rubrik 1">
+            <a:extLst>
+              <a:ext uri="{FF2B5EF4-FFF2-40B4-BE49-F238E27FC236}">
                 <a16:creationId xmlns:a16="http://schemas.microsoft.com/office/drawing/2014/main" id="{7767DC5E-94C6-4FF9-9C47-787B0833E6CB}"/>
               </a:ext>
             </a:extLst>
@@ -9007,6 +9442,298 @@
     <p:extLst>
       <p:ext uri="{BB962C8B-B14F-4D97-AF65-F5344CB8AC3E}">
         <p14:creationId xmlns:p14="http://schemas.microsoft.com/office/powerpoint/2010/main" val="2382716734"/>
+      </p:ext>
+    </p:extLst>
+  </p:cSld>
+  <p:clrMapOvr>
+    <a:masterClrMapping/>
+  </p:clrMapOvr>
+</p:sld>
+</file>
+
+<file path=ppt/slides/slide8.xml><?xml version="1.0" encoding="utf-8"?>
+<p:sld xmlns:a="http://schemas.openxmlformats.org/drawingml/2006/main" xmlns:r="http://schemas.openxmlformats.org/officeDocument/2006/relationships" xmlns:p="http://schemas.openxmlformats.org/presentationml/2006/main">
+  <p:cSld>
+    <p:spTree>
+      <p:nvGrpSpPr>
+        <p:cNvPr id="1" name=""/>
+        <p:cNvGrpSpPr/>
+        <p:nvPr/>
+      </p:nvGrpSpPr>
+      <p:grpSpPr>
+        <a:xfrm>
+          <a:off x="0" y="0"/>
+          <a:ext cx="0" cy="0"/>
+          <a:chOff x="0" y="0"/>
+          <a:chExt cx="0" cy="0"/>
+        </a:xfrm>
+      </p:grpSpPr>
+      <p:sp>
+        <p:nvSpPr>
+          <p:cNvPr id="2" name="Rubrik 1">
+            <a:extLst>
+              <a:ext uri="{FF2B5EF4-FFF2-40B4-BE49-F238E27FC236}">
+                <a16:creationId xmlns:a16="http://schemas.microsoft.com/office/drawing/2014/main" id="{7767DC5E-94C6-4FF9-9C47-787B0833E6CB}"/>
+              </a:ext>
+            </a:extLst>
+          </p:cNvPr>
+          <p:cNvSpPr>
+            <a:spLocks noGrp="1"/>
+          </p:cNvSpPr>
+          <p:nvPr>
+            <p:ph type="title"/>
+          </p:nvPr>
+        </p:nvSpPr>
+        <p:spPr>
+          <a:xfrm>
+            <a:off x="550863" y="520994"/>
+            <a:ext cx="11091600" cy="1332000"/>
+          </a:xfrm>
+        </p:spPr>
+        <p:txBody>
+          <a:bodyPr/>
+          <a:lstStyle/>
+          <a:p>
+            <a:r>
+              <a:rPr lang="sv-SE" dirty="0"/>
+              <a:t>Var är vi nu?</a:t>
+            </a:r>
+          </a:p>
+        </p:txBody>
+      </p:sp>
+      <p:sp>
+        <p:nvSpPr>
+          <p:cNvPr id="3" name="Platshållare för innehåll 2">
+            <a:extLst>
+              <a:ext uri="{FF2B5EF4-FFF2-40B4-BE49-F238E27FC236}">
+                <a16:creationId xmlns:a16="http://schemas.microsoft.com/office/drawing/2014/main" id="{CA28809E-7149-46A5-A34E-249F5E23ADC6}"/>
+              </a:ext>
+            </a:extLst>
+          </p:cNvPr>
+          <p:cNvSpPr>
+            <a:spLocks noGrp="1"/>
+          </p:cNvSpPr>
+          <p:nvPr>
+            <p:ph idx="1"/>
+          </p:nvPr>
+        </p:nvSpPr>
+        <p:spPr>
+          <a:xfrm>
+            <a:off x="550863" y="2160333"/>
+            <a:ext cx="11090274" cy="3979625"/>
+          </a:xfrm>
+        </p:spPr>
+        <p:txBody>
+          <a:bodyPr/>
+          <a:lstStyle/>
+          <a:p>
+            <a:r>
+              <a:rPr lang="sv-SE" dirty="0"/>
+              <a:t>Vi har skapat en designbas</a:t>
+            </a:r>
+          </a:p>
+          <a:p>
+            <a:r>
+              <a:rPr lang="sv-SE" dirty="0"/>
+              <a:t>Implementerat databas</a:t>
+            </a:r>
+          </a:p>
+          <a:p>
+            <a:r>
+              <a:rPr lang="sv-SE" dirty="0"/>
+              <a:t>Kopplat hemsidan till databasen</a:t>
+            </a:r>
+            <a:br>
+              <a:rPr lang="sv-SE" dirty="0"/>
+            </a:br>
+            <a:endParaRPr lang="sv-SE" dirty="0"/>
+          </a:p>
+        </p:txBody>
+      </p:sp>
+      <p:pic>
+        <p:nvPicPr>
+          <p:cNvPr id="1028" name="Picture 4" descr="demo">
+            <a:extLst>
+              <a:ext uri="{FF2B5EF4-FFF2-40B4-BE49-F238E27FC236}">
+                <a16:creationId xmlns:a16="http://schemas.microsoft.com/office/drawing/2014/main" id="{36EFB328-2E13-4667-8BF9-4F259DC7C712}"/>
+              </a:ext>
+            </a:extLst>
+          </p:cNvPr>
+          <p:cNvPicPr>
+            <a:picLocks noChangeAspect="1" noChangeArrowheads="1"/>
+          </p:cNvPicPr>
+          <p:nvPr/>
+        </p:nvPicPr>
+        <p:blipFill>
+          <a:blip r:embed="rId2">
+            <a:extLst>
+              <a:ext uri="{28A0092B-C50C-407E-A947-70E740481C1C}">
+                <a14:useLocalDpi xmlns:a14="http://schemas.microsoft.com/office/drawing/2010/main" val="0"/>
+              </a:ext>
+            </a:extLst>
+          </a:blip>
+          <a:srcRect/>
+          <a:stretch>
+            <a:fillRect/>
+          </a:stretch>
+        </p:blipFill>
+        <p:spPr bwMode="auto">
+          <a:xfrm>
+            <a:off x="5202621" y="1708768"/>
+            <a:ext cx="5974449" cy="4308209"/>
+          </a:xfrm>
+          <a:prstGeom prst="rect">
+            <a:avLst/>
+          </a:prstGeom>
+          <a:noFill/>
+          <a:extLst>
+            <a:ext uri="{909E8E84-426E-40DD-AFC4-6F175D3DCCD1}">
+              <a14:hiddenFill xmlns:a14="http://schemas.microsoft.com/office/drawing/2010/main">
+                <a:solidFill>
+                  <a:srgbClr val="FFFFFF"/>
+                </a:solidFill>
+              </a14:hiddenFill>
+            </a:ext>
+          </a:extLst>
+        </p:spPr>
+      </p:pic>
+      <p:sp>
+        <p:nvSpPr>
+          <p:cNvPr id="4" name="Rektangel 3">
+            <a:extLst>
+              <a:ext uri="{FF2B5EF4-FFF2-40B4-BE49-F238E27FC236}">
+                <a16:creationId xmlns:a16="http://schemas.microsoft.com/office/drawing/2014/main" id="{63C04421-5D93-4234-BF4D-B315717B361D}"/>
+              </a:ext>
+            </a:extLst>
+          </p:cNvPr>
+          <p:cNvSpPr/>
+          <p:nvPr/>
+        </p:nvSpPr>
+        <p:spPr>
+          <a:xfrm>
+            <a:off x="6367215" y="5409284"/>
+            <a:ext cx="1643720" cy="923330"/>
+          </a:xfrm>
+          <a:prstGeom prst="rect">
+            <a:avLst/>
+          </a:prstGeom>
+          <a:noFill/>
+        </p:spPr>
+        <p:txBody>
+          <a:bodyPr wrap="none" lIns="91440" tIns="45720" rIns="91440" bIns="45720">
+            <a:spAutoFit/>
+          </a:bodyPr>
+          <a:lstStyle/>
+          <a:p>
+            <a:pPr algn="ctr"/>
+            <a:r>
+              <a:rPr lang="sv-SE" sz="5400" b="1" cap="none" spc="0" dirty="0">
+                <a:ln w="12700">
+                  <a:solidFill>
+                    <a:schemeClr val="accent5"/>
+                  </a:solidFill>
+                  <a:prstDash val="solid"/>
+                </a:ln>
+                <a:solidFill>
+                  <a:schemeClr val="accent6">
+                    <a:lumMod val="20000"/>
+                    <a:lumOff val="80000"/>
+                  </a:schemeClr>
+                </a:solidFill>
+                <a:effectLst/>
+              </a:rPr>
+              <a:t>Filip</a:t>
+            </a:r>
+          </a:p>
+        </p:txBody>
+      </p:sp>
+    </p:spTree>
+    <p:extLst>
+      <p:ext uri="{BB962C8B-B14F-4D97-AF65-F5344CB8AC3E}">
+        <p14:creationId xmlns:p14="http://schemas.microsoft.com/office/powerpoint/2010/main" val="2927480642"/>
+      </p:ext>
+    </p:extLst>
+  </p:cSld>
+  <p:clrMapOvr>
+    <a:masterClrMapping/>
+  </p:clrMapOvr>
+</p:sld>
+</file>
+
+<file path=ppt/slides/slide9.xml><?xml version="1.0" encoding="utf-8"?>
+<p:sld xmlns:a="http://schemas.openxmlformats.org/drawingml/2006/main" xmlns:r="http://schemas.openxmlformats.org/officeDocument/2006/relationships" xmlns:p="http://schemas.openxmlformats.org/presentationml/2006/main">
+  <p:cSld>
+    <p:spTree>
+      <p:nvGrpSpPr>
+        <p:cNvPr id="1" name=""/>
+        <p:cNvGrpSpPr/>
+        <p:nvPr/>
+      </p:nvGrpSpPr>
+      <p:grpSpPr>
+        <a:xfrm>
+          <a:off x="0" y="0"/>
+          <a:ext cx="0" cy="0"/>
+          <a:chOff x="0" y="0"/>
+          <a:chExt cx="0" cy="0"/>
+        </a:xfrm>
+      </p:grpSpPr>
+      <p:sp>
+        <p:nvSpPr>
+          <p:cNvPr id="2" name="Rubrik 1">
+            <a:extLst>
+              <a:ext uri="{FF2B5EF4-FFF2-40B4-BE49-F238E27FC236}">
+                <a16:creationId xmlns:a16="http://schemas.microsoft.com/office/drawing/2014/main" id="{C1FD5ACB-50C6-48A3-AD86-D1153B361578}"/>
+              </a:ext>
+            </a:extLst>
+          </p:cNvPr>
+          <p:cNvSpPr>
+            <a:spLocks noGrp="1"/>
+          </p:cNvSpPr>
+          <p:nvPr>
+            <p:ph type="title"/>
+          </p:nvPr>
+        </p:nvSpPr>
+        <p:spPr/>
+        <p:txBody>
+          <a:bodyPr/>
+          <a:lstStyle/>
+          <a:p>
+            <a:r>
+              <a:rPr lang="sv-SE" dirty="0"/>
+              <a:t>Möjligheter och risker</a:t>
+            </a:r>
+          </a:p>
+        </p:txBody>
+      </p:sp>
+      <p:sp>
+        <p:nvSpPr>
+          <p:cNvPr id="3" name="Platshållare för innehåll 2">
+            <a:extLst>
+              <a:ext uri="{FF2B5EF4-FFF2-40B4-BE49-F238E27FC236}">
+                <a16:creationId xmlns:a16="http://schemas.microsoft.com/office/drawing/2014/main" id="{478837E4-BA69-48F2-A5B1-02BE5560D7C9}"/>
+              </a:ext>
+            </a:extLst>
+          </p:cNvPr>
+          <p:cNvSpPr>
+            <a:spLocks noGrp="1"/>
+          </p:cNvSpPr>
+          <p:nvPr>
+            <p:ph idx="1"/>
+          </p:nvPr>
+        </p:nvSpPr>
+        <p:spPr/>
+        <p:txBody>
+          <a:bodyPr/>
+          <a:lstStyle/>
+          <a:p>
+            <a:endParaRPr lang="sv-SE" dirty="0"/>
+          </a:p>
+        </p:txBody>
+      </p:sp>
+    </p:spTree>
+    <p:extLst>
+      <p:ext uri="{BB962C8B-B14F-4D97-AF65-F5344CB8AC3E}">
+        <p14:creationId xmlns:p14="http://schemas.microsoft.com/office/powerpoint/2010/main" val="2844161484"/>
       </p:ext>
     </p:extLst>
   </p:cSld>

--- a/Delredovisning/Sustainable Forms presentation.pptx
+++ b/Delredovisning/Sustainable Forms presentation.pptx
@@ -118,6 +118,54 @@
     </p:ext>
   </p:extLst>
 </p:presentation>
+</file>
+
+<file path=ppt/authors.xml><?xml version="1.0" encoding="utf-8"?>
+<p188:authorLst xmlns:a="http://schemas.openxmlformats.org/drawingml/2006/main" xmlns:r="http://schemas.openxmlformats.org/officeDocument/2006/relationships" xmlns:p188="http://schemas.microsoft.com/office/powerpoint/2018/8/main">
+  <p188:author id="{253C0C0F-2888-0324-6407-042A52ACFCE3}" name="Anna Bergvall" initials="AB" userId="S::an7151be-s@lu.se::519bcf89-84e5-47f2-86cc-d7a11aea9f10" providerId="AD"/>
+</p188:authorLst>
+</file>
+
+<file path=ppt/comments/modernComment_100_4924ADE6.xml><?xml version="1.0" encoding="utf-8"?>
+<p188:cmLst xmlns:a="http://schemas.openxmlformats.org/drawingml/2006/main" xmlns:r="http://schemas.openxmlformats.org/officeDocument/2006/relationships" xmlns:p188="http://schemas.microsoft.com/office/powerpoint/2018/8/main">
+  <p188:cm id="{DBEB4552-6D6A-4BCB-85A2-77416804D137}" authorId="{253C0C0F-2888-0324-6407-042A52ACFCE3}" created="2021-11-16T14:14:45.628">
+    <pc:sldMkLst xmlns:pc="http://schemas.microsoft.com/office/powerpoint/2013/main/command">
+      <pc:docMk/>
+      <pc:sldMk cId="1227140582" sldId="256"/>
+    </pc:sldMkLst>
+    <p188:txBody>
+      <a:bodyPr/>
+      <a:lstStyle/>
+      <a:p>
+        <a:r>
+          <a:rPr lang="sv-SE"/>
+          <a:t>Anna</a:t>
+        </a:r>
+      </a:p>
+    </p188:txBody>
+  </p188:cm>
+</p188:cmLst>
+</file>
+
+<file path=ppt/comments/modernComment_106_1693D97.xml><?xml version="1.0" encoding="utf-8"?>
+<p188:cmLst xmlns:a="http://schemas.openxmlformats.org/drawingml/2006/main" xmlns:r="http://schemas.openxmlformats.org/officeDocument/2006/relationships" xmlns:p188="http://schemas.microsoft.com/office/powerpoint/2018/8/main">
+  <p188:cm id="{0FCC63B6-F7E9-4EDD-8187-A808F8541D5D}" authorId="{253C0C0F-2888-0324-6407-042A52ACFCE3}" created="2021-11-16T14:14:36.138">
+    <pc:sldMkLst xmlns:pc="http://schemas.microsoft.com/office/powerpoint/2013/main/command">
+      <pc:docMk/>
+      <pc:sldMk cId="23674263" sldId="262"/>
+    </pc:sldMkLst>
+    <p188:txBody>
+      <a:bodyPr/>
+      <a:lstStyle/>
+      <a:p>
+        <a:r>
+          <a:rPr lang="sv-SE"/>
+          <a:t>David</a:t>
+        </a:r>
+      </a:p>
+    </p188:txBody>
+  </p188:cm>
+</p188:cmLst>
 </file>
 
 <file path=ppt/slideLayouts/slideLayout1.xml><?xml version="1.0" encoding="utf-8"?>
@@ -8318,7 +8366,7 @@
           <p:nvPr/>
         </p:nvPicPr>
         <p:blipFill rotWithShape="1">
-          <a:blip r:embed="rId2"/>
+          <a:blip r:embed="rId3"/>
           <a:srcRect l="17387" r="10114" b="-1"/>
           <a:stretch/>
         </p:blipFill>
@@ -8670,6 +8718,11 @@
       <p:bldP spid="3" grpId="0" build="p"/>
     </p:bldLst>
   </p:timing>
+  <p:extLst>
+    <p:ext uri="{6950BFC3-D8DA-4A85-94F7-54DA5524770B}">
+      <p188:commentRel xmlns:p188="http://schemas.microsoft.com/office/powerpoint/2018/8/main" r:id="rId2"/>
+    </p:ext>
+  </p:extLst>
 </p:sld>
 </file>
 
@@ -9031,9 +9084,32 @@
               <a:buNone/>
             </a:pPr>
             <a:r>
+              <a:rPr lang="sv-SE" sz="3200" dirty="0"/>
+              <a:t>Utmaningar</a:t>
+            </a:r>
+          </a:p>
+          <a:p>
+            <a:r>
               <a:rPr lang="sv-SE" dirty="0"/>
-              <a:t>Utmaningar</a:t>
-            </a:r>
+              <a:t>Frånvaro</a:t>
+            </a:r>
+          </a:p>
+          <a:p>
+            <a:r>
+              <a:rPr lang="sv-SE" dirty="0"/>
+              <a:t>Sjukdom</a:t>
+            </a:r>
+          </a:p>
+          <a:p>
+            <a:r>
+              <a:rPr lang="sv-SE" dirty="0"/>
+              <a:t>Använda oss av </a:t>
+            </a:r>
+            <a:r>
+              <a:rPr lang="sv-SE" dirty="0" err="1"/>
+              <a:t>Scrumboarden</a:t>
+            </a:r>
+            <a:endParaRPr lang="sv-SE" dirty="0"/>
           </a:p>
         </p:txBody>
       </p:sp>
@@ -9055,15 +9131,47 @@
         </p:nvSpPr>
         <p:spPr/>
         <p:txBody>
-          <a:bodyPr/>
+          <a:bodyPr>
+            <a:normAutofit/>
+          </a:bodyPr>
           <a:lstStyle/>
           <a:p>
             <a:pPr marL="0" indent="0">
               <a:buNone/>
             </a:pPr>
             <a:r>
+              <a:rPr lang="sv-SE" sz="3200" dirty="0"/>
+              <a:t>Styrkor</a:t>
+            </a:r>
+          </a:p>
+          <a:p>
+            <a:r>
               <a:rPr lang="sv-SE" dirty="0"/>
-              <a:t>Styrkor</a:t>
+              <a:t>Kommunikation</a:t>
+            </a:r>
+          </a:p>
+          <a:p>
+            <a:r>
+              <a:rPr lang="sv-SE" dirty="0"/>
+              <a:t>Att vara på plats leder till öppenhet</a:t>
+            </a:r>
+          </a:p>
+          <a:p>
+            <a:r>
+              <a:rPr lang="sv-SE" dirty="0"/>
+              <a:t>Respekt</a:t>
+            </a:r>
+          </a:p>
+          <a:p>
+            <a:r>
+              <a:rPr lang="sv-SE" dirty="0"/>
+              <a:t>Flitiga</a:t>
+            </a:r>
+          </a:p>
+          <a:p>
+            <a:r>
+              <a:rPr lang="sv-SE" dirty="0"/>
+              <a:t>Vi delar med oss</a:t>
             </a:r>
           </a:p>
         </p:txBody>
@@ -9176,6 +9284,11 @@
   <p:clrMapOvr>
     <a:masterClrMapping/>
   </p:clrMapOvr>
+  <p:extLst>
+    <p:ext uri="{6950BFC3-D8DA-4A85-94F7-54DA5524770B}">
+      <p188:commentRel xmlns:p188="http://schemas.microsoft.com/office/powerpoint/2018/8/main" r:id="rId2"/>
+    </p:ext>
+  </p:extLst>
 </p:sld>
 </file>
 

--- a/Delredovisning/Sustainable Forms presentation.pptx
+++ b/Delredovisning/Sustainable Forms presentation.pptx
@@ -140,6 +140,27 @@
         <a:r>
           <a:rPr lang="sv-SE"/>
           <a:t>Anna</a:t>
+        </a:r>
+      </a:p>
+    </p188:txBody>
+  </p188:cm>
+</p188:cmLst>
+</file>
+
+<file path=ppt/comments/modernComment_102_8E055F3E.xml><?xml version="1.0" encoding="utf-8"?>
+<p188:cmLst xmlns:a="http://schemas.openxmlformats.org/drawingml/2006/main" xmlns:r="http://schemas.openxmlformats.org/officeDocument/2006/relationships" xmlns:p188="http://schemas.microsoft.com/office/powerpoint/2018/8/main">
+  <p188:cm id="{13951C65-75B2-49F0-937D-B83918218106}" authorId="{253C0C0F-2888-0324-6407-042A52ACFCE3}" created="2021-11-16T14:25:38.616">
+    <pc:sldMkLst xmlns:pc="http://schemas.microsoft.com/office/powerpoint/2013/main/command">
+      <pc:docMk/>
+      <pc:sldMk cId="2382716734" sldId="258"/>
+    </pc:sldMkLst>
+    <p188:txBody>
+      <a:bodyPr/>
+      <a:lstStyle/>
+      <a:p>
+        <a:r>
+          <a:rPr lang="sv-SE"/>
+          <a:t>Oscar</a:t>
         </a:r>
       </a:p>
     </p188:txBody>
@@ -9497,7 +9518,7 @@
           <a:p>
             <a:r>
               <a:rPr lang="sv-SE" dirty="0"/>
-              <a:t>Var är vi nu?</a:t>
+              <a:t>Lägesrapport utvecklingen</a:t>
             </a:r>
           </a:p>
         </p:txBody>
@@ -9561,6 +9582,11 @@
   <p:clrMapOvr>
     <a:masterClrMapping/>
   </p:clrMapOvr>
+  <p:extLst>
+    <p:ext uri="{6950BFC3-D8DA-4A85-94F7-54DA5524770B}">
+      <p188:commentRel xmlns:p188="http://schemas.microsoft.com/office/powerpoint/2018/8/main" r:id="rId2"/>
+    </p:ext>
+  </p:extLst>
 </p:sld>
 </file>
 
@@ -9609,7 +9635,7 @@
           <a:p>
             <a:r>
               <a:rPr lang="sv-SE" dirty="0"/>
-              <a:t>Var är vi nu?</a:t>
+              <a:t>Lägesrapport utvecklingen</a:t>
             </a:r>
           </a:p>
         </p:txBody>

--- a/Delredovisning/Sustainable Forms presentation.pptx
+++ b/Delredovisning/Sustainable Forms presentation.pptx
@@ -14,6 +14,7 @@
     <p:sldId id="258" r:id="rId8"/>
     <p:sldId id="263" r:id="rId9"/>
     <p:sldId id="261" r:id="rId10"/>
+    <p:sldId id="265" r:id="rId11"/>
   </p:sldIdLst>
   <p:sldSz cx="12192000" cy="6858000"/>
   <p:notesSz cx="6858000" cy="9144000"/>
@@ -118,75 +119,6 @@
     </p:ext>
   </p:extLst>
 </p:presentation>
-</file>
-
-<file path=ppt/authors.xml><?xml version="1.0" encoding="utf-8"?>
-<p188:authorLst xmlns:a="http://schemas.openxmlformats.org/drawingml/2006/main" xmlns:r="http://schemas.openxmlformats.org/officeDocument/2006/relationships" xmlns:p188="http://schemas.microsoft.com/office/powerpoint/2018/8/main">
-  <p188:author id="{253C0C0F-2888-0324-6407-042A52ACFCE3}" name="Anna Bergvall" initials="AB" userId="S::an7151be-s@lu.se::519bcf89-84e5-47f2-86cc-d7a11aea9f10" providerId="AD"/>
-</p188:authorLst>
-</file>
-
-<file path=ppt/comments/modernComment_100_4924ADE6.xml><?xml version="1.0" encoding="utf-8"?>
-<p188:cmLst xmlns:a="http://schemas.openxmlformats.org/drawingml/2006/main" xmlns:r="http://schemas.openxmlformats.org/officeDocument/2006/relationships" xmlns:p188="http://schemas.microsoft.com/office/powerpoint/2018/8/main">
-  <p188:cm id="{DBEB4552-6D6A-4BCB-85A2-77416804D137}" authorId="{253C0C0F-2888-0324-6407-042A52ACFCE3}" created="2021-11-16T14:14:45.628">
-    <pc:sldMkLst xmlns:pc="http://schemas.microsoft.com/office/powerpoint/2013/main/command">
-      <pc:docMk/>
-      <pc:sldMk cId="1227140582" sldId="256"/>
-    </pc:sldMkLst>
-    <p188:txBody>
-      <a:bodyPr/>
-      <a:lstStyle/>
-      <a:p>
-        <a:r>
-          <a:rPr lang="sv-SE"/>
-          <a:t>Anna</a:t>
-        </a:r>
-      </a:p>
-    </p188:txBody>
-  </p188:cm>
-</p188:cmLst>
-</file>
-
-<file path=ppt/comments/modernComment_102_8E055F3E.xml><?xml version="1.0" encoding="utf-8"?>
-<p188:cmLst xmlns:a="http://schemas.openxmlformats.org/drawingml/2006/main" xmlns:r="http://schemas.openxmlformats.org/officeDocument/2006/relationships" xmlns:p188="http://schemas.microsoft.com/office/powerpoint/2018/8/main">
-  <p188:cm id="{13951C65-75B2-49F0-937D-B83918218106}" authorId="{253C0C0F-2888-0324-6407-042A52ACFCE3}" created="2021-11-16T14:25:38.616">
-    <pc:sldMkLst xmlns:pc="http://schemas.microsoft.com/office/powerpoint/2013/main/command">
-      <pc:docMk/>
-      <pc:sldMk cId="2382716734" sldId="258"/>
-    </pc:sldMkLst>
-    <p188:txBody>
-      <a:bodyPr/>
-      <a:lstStyle/>
-      <a:p>
-        <a:r>
-          <a:rPr lang="sv-SE"/>
-          <a:t>Oscar</a:t>
-        </a:r>
-      </a:p>
-    </p188:txBody>
-  </p188:cm>
-</p188:cmLst>
-</file>
-
-<file path=ppt/comments/modernComment_106_1693D97.xml><?xml version="1.0" encoding="utf-8"?>
-<p188:cmLst xmlns:a="http://schemas.openxmlformats.org/drawingml/2006/main" xmlns:r="http://schemas.openxmlformats.org/officeDocument/2006/relationships" xmlns:p188="http://schemas.microsoft.com/office/powerpoint/2018/8/main">
-  <p188:cm id="{0FCC63B6-F7E9-4EDD-8187-A808F8541D5D}" authorId="{253C0C0F-2888-0324-6407-042A52ACFCE3}" created="2021-11-16T14:14:36.138">
-    <pc:sldMkLst xmlns:pc="http://schemas.microsoft.com/office/powerpoint/2013/main/command">
-      <pc:docMk/>
-      <pc:sldMk cId="23674263" sldId="262"/>
-    </pc:sldMkLst>
-    <p188:txBody>
-      <a:bodyPr/>
-      <a:lstStyle/>
-      <a:p>
-        <a:r>
-          <a:rPr lang="sv-SE"/>
-          <a:t>David</a:t>
-        </a:r>
-      </a:p>
-    </p188:txBody>
-  </p188:cm>
-</p188:cmLst>
 </file>
 
 <file path=ppt/slideLayouts/slideLayout1.xml><?xml version="1.0" encoding="utf-8"?>
@@ -8387,7 +8319,7 @@
           <p:nvPr/>
         </p:nvPicPr>
         <p:blipFill rotWithShape="1">
-          <a:blip r:embed="rId3"/>
+          <a:blip r:embed="rId2"/>
           <a:srcRect l="17387" r="10114" b="-1"/>
           <a:stretch/>
         </p:blipFill>
@@ -8739,11 +8671,95 @@
       <p:bldP spid="3" grpId="0" build="p"/>
     </p:bldLst>
   </p:timing>
-  <p:extLst>
-    <p:ext uri="{6950BFC3-D8DA-4A85-94F7-54DA5524770B}">
-      <p188:commentRel xmlns:p188="http://schemas.microsoft.com/office/powerpoint/2018/8/main" r:id="rId2"/>
-    </p:ext>
-  </p:extLst>
+</p:sld>
+</file>
+
+<file path=ppt/slides/slide10.xml><?xml version="1.0" encoding="utf-8"?>
+<p:sld xmlns:a="http://schemas.openxmlformats.org/drawingml/2006/main" xmlns:r="http://schemas.openxmlformats.org/officeDocument/2006/relationships" xmlns:p="http://schemas.openxmlformats.org/presentationml/2006/main">
+  <p:cSld>
+    <p:spTree>
+      <p:nvGrpSpPr>
+        <p:cNvPr id="1" name=""/>
+        <p:cNvGrpSpPr/>
+        <p:nvPr/>
+      </p:nvGrpSpPr>
+      <p:grpSpPr>
+        <a:xfrm>
+          <a:off x="0" y="0"/>
+          <a:ext cx="0" cy="0"/>
+          <a:chOff x="0" y="0"/>
+          <a:chExt cx="0" cy="0"/>
+        </a:xfrm>
+      </p:grpSpPr>
+      <p:sp>
+        <p:nvSpPr>
+          <p:cNvPr id="2" name="Rubrik 1">
+            <a:extLst>
+              <a:ext uri="{FF2B5EF4-FFF2-40B4-BE49-F238E27FC236}">
+                <a16:creationId xmlns:a16="http://schemas.microsoft.com/office/drawing/2014/main" id="{8A7A4F0F-578D-4944-9E18-701EF293BC8C}"/>
+              </a:ext>
+            </a:extLst>
+          </p:cNvPr>
+          <p:cNvSpPr>
+            <a:spLocks noGrp="1"/>
+          </p:cNvSpPr>
+          <p:nvPr>
+            <p:ph type="title"/>
+          </p:nvPr>
+        </p:nvSpPr>
+        <p:spPr/>
+        <p:txBody>
+          <a:bodyPr>
+            <a:normAutofit fontScale="90000"/>
+          </a:bodyPr>
+          <a:lstStyle/>
+          <a:p>
+            <a:r>
+              <a:rPr lang="sv-SE" dirty="0"/>
+              <a:t>Hur ser planen ut framåt?</a:t>
+            </a:r>
+            <a:br>
+              <a:rPr lang="sv-SE" dirty="0"/>
+            </a:br>
+            <a:endParaRPr lang="sv-SE" dirty="0"/>
+          </a:p>
+        </p:txBody>
+      </p:sp>
+      <p:sp>
+        <p:nvSpPr>
+          <p:cNvPr id="3" name="Platshållare för innehåll 2">
+            <a:extLst>
+              <a:ext uri="{FF2B5EF4-FFF2-40B4-BE49-F238E27FC236}">
+                <a16:creationId xmlns:a16="http://schemas.microsoft.com/office/drawing/2014/main" id="{3B50E8F9-5EA9-904D-A20A-D54A370DB418}"/>
+              </a:ext>
+            </a:extLst>
+          </p:cNvPr>
+          <p:cNvSpPr>
+            <a:spLocks noGrp="1"/>
+          </p:cNvSpPr>
+          <p:nvPr>
+            <p:ph idx="1"/>
+          </p:nvPr>
+        </p:nvSpPr>
+        <p:spPr/>
+        <p:txBody>
+          <a:bodyPr/>
+          <a:lstStyle/>
+          <a:p>
+            <a:endParaRPr lang="sv-SE"/>
+          </a:p>
+        </p:txBody>
+      </p:sp>
+    </p:spTree>
+    <p:extLst>
+      <p:ext uri="{BB962C8B-B14F-4D97-AF65-F5344CB8AC3E}">
+        <p14:creationId xmlns:p14="http://schemas.microsoft.com/office/powerpoint/2010/main" val="375868796"/>
+      </p:ext>
+    </p:extLst>
+  </p:cSld>
+  <p:clrMapOvr>
+    <a:masterClrMapping/>
+  </p:clrMapOvr>
 </p:sld>
 </file>
 
@@ -9105,32 +9121,9 @@
               <a:buNone/>
             </a:pPr>
             <a:r>
-              <a:rPr lang="sv-SE" sz="3200" dirty="0"/>
+              <a:rPr lang="sv-SE" dirty="0"/>
               <a:t>Utmaningar</a:t>
             </a:r>
-          </a:p>
-          <a:p>
-            <a:r>
-              <a:rPr lang="sv-SE" dirty="0"/>
-              <a:t>Frånvaro</a:t>
-            </a:r>
-          </a:p>
-          <a:p>
-            <a:r>
-              <a:rPr lang="sv-SE" dirty="0"/>
-              <a:t>Sjukdom</a:t>
-            </a:r>
-          </a:p>
-          <a:p>
-            <a:r>
-              <a:rPr lang="sv-SE" dirty="0"/>
-              <a:t>Använda oss av </a:t>
-            </a:r>
-            <a:r>
-              <a:rPr lang="sv-SE" dirty="0" err="1"/>
-              <a:t>Scrumboarden</a:t>
-            </a:r>
-            <a:endParaRPr lang="sv-SE" dirty="0"/>
           </a:p>
         </p:txBody>
       </p:sp>
@@ -9152,47 +9145,15 @@
         </p:nvSpPr>
         <p:spPr/>
         <p:txBody>
-          <a:bodyPr>
-            <a:normAutofit/>
-          </a:bodyPr>
+          <a:bodyPr/>
           <a:lstStyle/>
           <a:p>
             <a:pPr marL="0" indent="0">
               <a:buNone/>
             </a:pPr>
             <a:r>
-              <a:rPr lang="sv-SE" sz="3200" dirty="0"/>
+              <a:rPr lang="sv-SE" dirty="0"/>
               <a:t>Styrkor</a:t>
-            </a:r>
-          </a:p>
-          <a:p>
-            <a:r>
-              <a:rPr lang="sv-SE" dirty="0"/>
-              <a:t>Kommunikation</a:t>
-            </a:r>
-          </a:p>
-          <a:p>
-            <a:r>
-              <a:rPr lang="sv-SE" dirty="0"/>
-              <a:t>Att vara på plats leder till öppenhet</a:t>
-            </a:r>
-          </a:p>
-          <a:p>
-            <a:r>
-              <a:rPr lang="sv-SE" dirty="0"/>
-              <a:t>Respekt</a:t>
-            </a:r>
-          </a:p>
-          <a:p>
-            <a:r>
-              <a:rPr lang="sv-SE" dirty="0"/>
-              <a:t>Flitiga</a:t>
-            </a:r>
-          </a:p>
-          <a:p>
-            <a:r>
-              <a:rPr lang="sv-SE" dirty="0"/>
-              <a:t>Vi delar med oss</a:t>
             </a:r>
           </a:p>
         </p:txBody>
@@ -9305,11 +9266,6 @@
   <p:clrMapOvr>
     <a:masterClrMapping/>
   </p:clrMapOvr>
-  <p:extLst>
-    <p:ext uri="{6950BFC3-D8DA-4A85-94F7-54DA5524770B}">
-      <p188:commentRel xmlns:p188="http://schemas.microsoft.com/office/powerpoint/2018/8/main" r:id="rId2"/>
-    </p:ext>
-  </p:extLst>
 </p:sld>
 </file>
 
@@ -9518,7 +9474,7 @@
           <a:p>
             <a:r>
               <a:rPr lang="sv-SE" dirty="0"/>
-              <a:t>Lägesrapport utvecklingen</a:t>
+              <a:t>Var är vi nu?</a:t>
             </a:r>
           </a:p>
         </p:txBody>
@@ -9582,11 +9538,6 @@
   <p:clrMapOvr>
     <a:masterClrMapping/>
   </p:clrMapOvr>
-  <p:extLst>
-    <p:ext uri="{6950BFC3-D8DA-4A85-94F7-54DA5524770B}">
-      <p188:commentRel xmlns:p188="http://schemas.microsoft.com/office/powerpoint/2018/8/main" r:id="rId2"/>
-    </p:ext>
-  </p:extLst>
 </p:sld>
 </file>
 
@@ -9635,7 +9586,7 @@
           <a:p>
             <a:r>
               <a:rPr lang="sv-SE" dirty="0"/>
-              <a:t>Lägesrapport utvecklingen</a:t>
+              <a:t>Var är vi nu?</a:t>
             </a:r>
           </a:p>
         </p:txBody>

--- a/Delredovisning/Sustainable Forms presentation.pptx
+++ b/Delredovisning/Sustainable Forms presentation.pptx
@@ -9469,12 +9469,14 @@
           </a:xfrm>
         </p:spPr>
         <p:txBody>
-          <a:bodyPr/>
+          <a:bodyPr>
+            <a:normAutofit/>
+          </a:bodyPr>
           <a:lstStyle/>
           <a:p>
             <a:r>
               <a:rPr lang="sv-SE" dirty="0"/>
-              <a:t>Var är vi nu?</a:t>
+              <a:t>Lägesrapport produktutveckling</a:t>
             </a:r>
           </a:p>
         </p:txBody>
@@ -9520,6 +9522,18 @@
             <a:r>
               <a:rPr lang="sv-SE" dirty="0"/>
               <a:t>Kopplat hemsidan till databasen</a:t>
+            </a:r>
+          </a:p>
+          <a:p>
+            <a:r>
+              <a:rPr lang="sv-SE" dirty="0"/>
+              <a:t>Implementerat inloggning/utloggning</a:t>
+            </a:r>
+          </a:p>
+          <a:p>
+            <a:r>
+              <a:rPr lang="sv-SE"/>
+              <a:t>Hämtar frågor från databasen</a:t>
             </a:r>
             <a:br>
               <a:rPr lang="sv-SE" dirty="0"/>

--- a/Delredovisning/Sustainable Forms presentation.pptx
+++ b/Delredovisning/Sustainable Forms presentation.pptx
@@ -8,13 +8,12 @@
     <p:sldId id="256" r:id="rId2"/>
     <p:sldId id="259" r:id="rId3"/>
     <p:sldId id="260" r:id="rId4"/>
-    <p:sldId id="264" r:id="rId5"/>
-    <p:sldId id="262" r:id="rId6"/>
-    <p:sldId id="257" r:id="rId7"/>
-    <p:sldId id="258" r:id="rId8"/>
-    <p:sldId id="263" r:id="rId9"/>
-    <p:sldId id="261" r:id="rId10"/>
-    <p:sldId id="265" r:id="rId11"/>
+    <p:sldId id="262" r:id="rId5"/>
+    <p:sldId id="257" r:id="rId6"/>
+    <p:sldId id="258" r:id="rId7"/>
+    <p:sldId id="263" r:id="rId8"/>
+    <p:sldId id="261" r:id="rId9"/>
+    <p:sldId id="265" r:id="rId10"/>
   </p:sldIdLst>
   <p:sldSz cx="12192000" cy="6858000"/>
   <p:notesSz cx="6858000" cy="9144000"/>
@@ -8674,95 +8673,6 @@
 </p:sld>
 </file>
 
-<file path=ppt/slides/slide10.xml><?xml version="1.0" encoding="utf-8"?>
-<p:sld xmlns:a="http://schemas.openxmlformats.org/drawingml/2006/main" xmlns:r="http://schemas.openxmlformats.org/officeDocument/2006/relationships" xmlns:p="http://schemas.openxmlformats.org/presentationml/2006/main">
-  <p:cSld>
-    <p:spTree>
-      <p:nvGrpSpPr>
-        <p:cNvPr id="1" name=""/>
-        <p:cNvGrpSpPr/>
-        <p:nvPr/>
-      </p:nvGrpSpPr>
-      <p:grpSpPr>
-        <a:xfrm>
-          <a:off x="0" y="0"/>
-          <a:ext cx="0" cy="0"/>
-          <a:chOff x="0" y="0"/>
-          <a:chExt cx="0" cy="0"/>
-        </a:xfrm>
-      </p:grpSpPr>
-      <p:sp>
-        <p:nvSpPr>
-          <p:cNvPr id="2" name="Rubrik 1">
-            <a:extLst>
-              <a:ext uri="{FF2B5EF4-FFF2-40B4-BE49-F238E27FC236}">
-                <a16:creationId xmlns:a16="http://schemas.microsoft.com/office/drawing/2014/main" id="{8A7A4F0F-578D-4944-9E18-701EF293BC8C}"/>
-              </a:ext>
-            </a:extLst>
-          </p:cNvPr>
-          <p:cNvSpPr>
-            <a:spLocks noGrp="1"/>
-          </p:cNvSpPr>
-          <p:nvPr>
-            <p:ph type="title"/>
-          </p:nvPr>
-        </p:nvSpPr>
-        <p:spPr/>
-        <p:txBody>
-          <a:bodyPr>
-            <a:normAutofit fontScale="90000"/>
-          </a:bodyPr>
-          <a:lstStyle/>
-          <a:p>
-            <a:r>
-              <a:rPr lang="sv-SE" dirty="0"/>
-              <a:t>Hur ser planen ut framåt?</a:t>
-            </a:r>
-            <a:br>
-              <a:rPr lang="sv-SE" dirty="0"/>
-            </a:br>
-            <a:endParaRPr lang="sv-SE" dirty="0"/>
-          </a:p>
-        </p:txBody>
-      </p:sp>
-      <p:sp>
-        <p:nvSpPr>
-          <p:cNvPr id="3" name="Platshållare för innehåll 2">
-            <a:extLst>
-              <a:ext uri="{FF2B5EF4-FFF2-40B4-BE49-F238E27FC236}">
-                <a16:creationId xmlns:a16="http://schemas.microsoft.com/office/drawing/2014/main" id="{3B50E8F9-5EA9-904D-A20A-D54A370DB418}"/>
-              </a:ext>
-            </a:extLst>
-          </p:cNvPr>
-          <p:cNvSpPr>
-            <a:spLocks noGrp="1"/>
-          </p:cNvSpPr>
-          <p:nvPr>
-            <p:ph idx="1"/>
-          </p:nvPr>
-        </p:nvSpPr>
-        <p:spPr/>
-        <p:txBody>
-          <a:bodyPr/>
-          <a:lstStyle/>
-          <a:p>
-            <a:endParaRPr lang="sv-SE"/>
-          </a:p>
-        </p:txBody>
-      </p:sp>
-    </p:spTree>
-    <p:extLst>
-      <p:ext uri="{BB962C8B-B14F-4D97-AF65-F5344CB8AC3E}">
-        <p14:creationId xmlns:p14="http://schemas.microsoft.com/office/powerpoint/2010/main" val="375868796"/>
-      </p:ext>
-    </p:extLst>
-  </p:cSld>
-  <p:clrMapOvr>
-    <a:masterClrMapping/>
-  </p:clrMapOvr>
-</p:sld>
-</file>
-
 <file path=ppt/slides/slide2.xml><?xml version="1.0" encoding="utf-8"?>
 <p:sld xmlns:a="http://schemas.openxmlformats.org/drawingml/2006/main" xmlns:r="http://schemas.openxmlformats.org/officeDocument/2006/relationships" xmlns:p="http://schemas.openxmlformats.org/presentationml/2006/main">
   <p:cSld>
@@ -9073,7 +8983,7 @@
           <p:cNvPr id="2" name="Rubrik 1">
             <a:extLst>
               <a:ext uri="{FF2B5EF4-FFF2-40B4-BE49-F238E27FC236}">
-                <a16:creationId xmlns:a16="http://schemas.microsoft.com/office/drawing/2014/main" id="{AE29F9FE-EC85-4E79-BCC8-FFAD2E09D04B}"/>
+                <a16:creationId xmlns:a16="http://schemas.microsoft.com/office/drawing/2014/main" id="{4A73ED04-710A-497D-88FC-AFCF485E217A}"/>
               </a:ext>
             </a:extLst>
           </p:cNvPr>
@@ -9091,7 +9001,7 @@
           <a:p>
             <a:r>
               <a:rPr lang="sv-SE" dirty="0"/>
-              <a:t>Resultat av projektcoachning</a:t>
+              <a:t>Design och UX</a:t>
             </a:r>
           </a:p>
         </p:txBody>
@@ -9101,7 +9011,7 @@
           <p:cNvPr id="3" name="Platshållare för innehåll 2">
             <a:extLst>
               <a:ext uri="{FF2B5EF4-FFF2-40B4-BE49-F238E27FC236}">
-                <a16:creationId xmlns:a16="http://schemas.microsoft.com/office/drawing/2014/main" id="{67BAD7E8-8DEC-4180-9B03-BBB75641AF6D}"/>
+                <a16:creationId xmlns:a16="http://schemas.microsoft.com/office/drawing/2014/main" id="{F70E1F3E-E2D4-4E6A-8F4E-4C4DC11B625F}"/>
               </a:ext>
             </a:extLst>
           </p:cNvPr>
@@ -9109,7 +9019,7 @@
             <a:spLocks noGrp="1"/>
           </p:cNvSpPr>
           <p:nvPr>
-            <p:ph sz="half" idx="1"/>
+            <p:ph idx="1"/>
           </p:nvPr>
         </p:nvSpPr>
         <p:spPr/>
@@ -9117,43 +9027,21 @@
           <a:bodyPr/>
           <a:lstStyle/>
           <a:p>
-            <a:pPr marL="0" indent="0">
-              <a:buNone/>
-            </a:pPr>
             <a:r>
               <a:rPr lang="sv-SE" dirty="0"/>
-              <a:t>Utmaningar</a:t>
-            </a:r>
-          </a:p>
-        </p:txBody>
-      </p:sp>
-      <p:sp>
-        <p:nvSpPr>
-          <p:cNvPr id="4" name="Platshållare för innehåll 3">
-            <a:extLst>
-              <a:ext uri="{FF2B5EF4-FFF2-40B4-BE49-F238E27FC236}">
-                <a16:creationId xmlns:a16="http://schemas.microsoft.com/office/drawing/2014/main" id="{5A625CEB-5F33-476E-BC8C-6CF177CE8FA6}"/>
-              </a:ext>
-            </a:extLst>
-          </p:cNvPr>
-          <p:cNvSpPr>
-            <a:spLocks noGrp="1"/>
-          </p:cNvSpPr>
-          <p:nvPr>
-            <p:ph sz="half" idx="2"/>
-          </p:nvPr>
-        </p:nvSpPr>
-        <p:spPr/>
-        <p:txBody>
-          <a:bodyPr/>
-          <a:lstStyle/>
-          <a:p>
-            <a:pPr marL="0" indent="0">
-              <a:buNone/>
-            </a:pPr>
+              <a:t>Användarvänlighet ett centralt krav</a:t>
+            </a:r>
+          </a:p>
+          <a:p>
             <a:r>
               <a:rPr lang="sv-SE" dirty="0"/>
-              <a:t>Styrkor</a:t>
+              <a:t>Begränsade valmöjligheter</a:t>
+            </a:r>
+          </a:p>
+          <a:p>
+            <a:r>
+              <a:rPr lang="sv-SE" dirty="0"/>
+              <a:t>Enkelt gränssnitt</a:t>
             </a:r>
           </a:p>
         </p:txBody>
@@ -9161,7 +9049,7 @@
     </p:spTree>
     <p:extLst>
       <p:ext uri="{BB962C8B-B14F-4D97-AF65-F5344CB8AC3E}">
-        <p14:creationId xmlns:p14="http://schemas.microsoft.com/office/powerpoint/2010/main" val="315823071"/>
+        <p14:creationId xmlns:p14="http://schemas.microsoft.com/office/powerpoint/2010/main" val="23674263"/>
       </p:ext>
     </p:extLst>
   </p:cSld>
@@ -9193,7 +9081,7 @@
           <p:cNvPr id="2" name="Rubrik 1">
             <a:extLst>
               <a:ext uri="{FF2B5EF4-FFF2-40B4-BE49-F238E27FC236}">
-                <a16:creationId xmlns:a16="http://schemas.microsoft.com/office/drawing/2014/main" id="{4A73ED04-710A-497D-88FC-AFCF485E217A}"/>
+                <a16:creationId xmlns:a16="http://schemas.microsoft.com/office/drawing/2014/main" id="{17435730-1ECE-4013-A9AE-4E214FED0832}"/>
               </a:ext>
             </a:extLst>
           </p:cNvPr>
@@ -9211,7 +9099,7 @@
           <a:p>
             <a:r>
               <a:rPr lang="sv-SE" dirty="0"/>
-              <a:t>Design och UX</a:t>
+              <a:t>Prototyper</a:t>
             </a:r>
           </a:p>
         </p:txBody>
@@ -9221,7 +9109,7 @@
           <p:cNvPr id="3" name="Platshållare för innehåll 2">
             <a:extLst>
               <a:ext uri="{FF2B5EF4-FFF2-40B4-BE49-F238E27FC236}">
-                <a16:creationId xmlns:a16="http://schemas.microsoft.com/office/drawing/2014/main" id="{F70E1F3E-E2D4-4E6A-8F4E-4C4DC11B625F}"/>
+                <a16:creationId xmlns:a16="http://schemas.microsoft.com/office/drawing/2014/main" id="{9A5988AF-121F-493F-BE57-EE0811CBA2AE}"/>
               </a:ext>
             </a:extLst>
           </p:cNvPr>
@@ -9232,34 +9120,96 @@
             <p:ph idx="1"/>
           </p:nvPr>
         </p:nvSpPr>
-        <p:spPr/>
+        <p:spPr>
+          <a:xfrm>
+            <a:off x="550863" y="1713187"/>
+            <a:ext cx="11090274" cy="4379638"/>
+          </a:xfrm>
+        </p:spPr>
         <p:txBody>
           <a:bodyPr/>
           <a:lstStyle/>
           <a:p>
+            <a:pPr marL="0" indent="0">
+              <a:buNone/>
+            </a:pPr>
             <a:r>
               <a:rPr lang="sv-SE" dirty="0"/>
-              <a:t>Användarvänlighet ett centralt krav</a:t>
-            </a:r>
-          </a:p>
-          <a:p>
-            <a:r>
-              <a:rPr lang="sv-SE" dirty="0"/>
-              <a:t>Begränsade valmöjligheter</a:t>
-            </a:r>
-          </a:p>
-          <a:p>
-            <a:r>
-              <a:rPr lang="sv-SE" dirty="0"/>
-              <a:t>Enkelt gränssnitt</a:t>
+              <a:t>Tre iterationer av prototyper</a:t>
             </a:r>
           </a:p>
         </p:txBody>
       </p:sp>
+      <p:pic>
+        <p:nvPicPr>
+          <p:cNvPr id="5" name="Bildobjekt 4">
+            <a:extLst>
+              <a:ext uri="{FF2B5EF4-FFF2-40B4-BE49-F238E27FC236}">
+                <a16:creationId xmlns:a16="http://schemas.microsoft.com/office/drawing/2014/main" id="{2D2A01BE-ABA3-49E3-8CAC-79F1A70CCFD7}"/>
+              </a:ext>
+            </a:extLst>
+          </p:cNvPr>
+          <p:cNvPicPr>
+            <a:picLocks noChangeAspect="1"/>
+          </p:cNvPicPr>
+          <p:nvPr/>
+        </p:nvPicPr>
+        <p:blipFill>
+          <a:blip r:embed="rId2"/>
+          <a:stretch>
+            <a:fillRect/>
+          </a:stretch>
+        </p:blipFill>
+        <p:spPr>
+          <a:xfrm>
+            <a:off x="5213475" y="2621675"/>
+            <a:ext cx="6167695" cy="3854810"/>
+          </a:xfrm>
+          <a:prstGeom prst="rect">
+            <a:avLst/>
+          </a:prstGeom>
+        </p:spPr>
+      </p:pic>
+      <p:pic>
+        <p:nvPicPr>
+          <p:cNvPr id="7" name="Bildobjekt 6" descr="En bild som visar text&#10;&#10;Automatiskt genererad beskrivning">
+            <a:extLst>
+              <a:ext uri="{FF2B5EF4-FFF2-40B4-BE49-F238E27FC236}">
+                <a16:creationId xmlns:a16="http://schemas.microsoft.com/office/drawing/2014/main" id="{2CDD859A-4B68-4D8B-BE6C-5B08BF761BFD}"/>
+              </a:ext>
+            </a:extLst>
+          </p:cNvPr>
+          <p:cNvPicPr>
+            <a:picLocks noChangeAspect="1"/>
+          </p:cNvPicPr>
+          <p:nvPr/>
+        </p:nvPicPr>
+        <p:blipFill>
+          <a:blip r:embed="rId3">
+            <a:extLst>
+              <a:ext uri="{28A0092B-C50C-407E-A947-70E740481C1C}">
+                <a14:useLocalDpi xmlns:a14="http://schemas.microsoft.com/office/drawing/2010/main" val="0"/>
+              </a:ext>
+            </a:extLst>
+          </a:blip>
+          <a:stretch>
+            <a:fillRect/>
+          </a:stretch>
+        </p:blipFill>
+        <p:spPr>
+          <a:xfrm>
+            <a:off x="433027" y="2842898"/>
+            <a:ext cx="3545083" cy="3633587"/>
+          </a:xfrm>
+          <a:prstGeom prst="rect">
+            <a:avLst/>
+          </a:prstGeom>
+        </p:spPr>
+      </p:pic>
     </p:spTree>
     <p:extLst>
       <p:ext uri="{BB962C8B-B14F-4D97-AF65-F5344CB8AC3E}">
-        <p14:creationId xmlns:p14="http://schemas.microsoft.com/office/powerpoint/2010/main" val="23674263"/>
+        <p14:creationId xmlns:p14="http://schemas.microsoft.com/office/powerpoint/2010/main" val="1659018595"/>
       </p:ext>
     </p:extLst>
   </p:cSld>
@@ -9291,7 +9241,7 @@
           <p:cNvPr id="2" name="Rubrik 1">
             <a:extLst>
               <a:ext uri="{FF2B5EF4-FFF2-40B4-BE49-F238E27FC236}">
-                <a16:creationId xmlns:a16="http://schemas.microsoft.com/office/drawing/2014/main" id="{17435730-1ECE-4013-A9AE-4E214FED0832}"/>
+                <a16:creationId xmlns:a16="http://schemas.microsoft.com/office/drawing/2014/main" id="{7767DC5E-94C6-4FF9-9C47-787B0833E6CB}"/>
               </a:ext>
             </a:extLst>
           </p:cNvPr>
@@ -9302,14 +9252,21 @@
             <p:ph type="title"/>
           </p:nvPr>
         </p:nvSpPr>
-        <p:spPr/>
+        <p:spPr>
+          <a:xfrm>
+            <a:off x="550863" y="520994"/>
+            <a:ext cx="11091600" cy="1332000"/>
+          </a:xfrm>
+        </p:spPr>
         <p:txBody>
-          <a:bodyPr/>
+          <a:bodyPr>
+            <a:normAutofit/>
+          </a:bodyPr>
           <a:lstStyle/>
           <a:p>
             <a:r>
               <a:rPr lang="sv-SE" dirty="0"/>
-              <a:t>Prototyper</a:t>
+              <a:t>Lägesrapport produktutveckling</a:t>
             </a:r>
           </a:p>
         </p:txBody>
@@ -9319,7 +9276,7 @@
           <p:cNvPr id="3" name="Platshållare för innehåll 2">
             <a:extLst>
               <a:ext uri="{FF2B5EF4-FFF2-40B4-BE49-F238E27FC236}">
-                <a16:creationId xmlns:a16="http://schemas.microsoft.com/office/drawing/2014/main" id="{9A5988AF-121F-493F-BE57-EE0811CBA2AE}"/>
+                <a16:creationId xmlns:a16="http://schemas.microsoft.com/office/drawing/2014/main" id="{CA28809E-7149-46A5-A34E-249F5E23ADC6}"/>
               </a:ext>
             </a:extLst>
           </p:cNvPr>
@@ -9332,94 +9289,53 @@
         </p:nvSpPr>
         <p:spPr>
           <a:xfrm>
-            <a:off x="550863" y="1713187"/>
-            <a:ext cx="11090274" cy="4379638"/>
+            <a:off x="550863" y="2160333"/>
+            <a:ext cx="11090274" cy="3979625"/>
           </a:xfrm>
         </p:spPr>
         <p:txBody>
           <a:bodyPr/>
           <a:lstStyle/>
           <a:p>
-            <a:pPr marL="0" indent="0">
-              <a:buNone/>
-            </a:pPr>
             <a:r>
               <a:rPr lang="sv-SE" dirty="0"/>
-              <a:t>Tre iterationer av prototyper</a:t>
-            </a:r>
+              <a:t>Vi har skapat en designbas</a:t>
+            </a:r>
+          </a:p>
+          <a:p>
+            <a:r>
+              <a:rPr lang="sv-SE" dirty="0"/>
+              <a:t>Implementerat databas</a:t>
+            </a:r>
+          </a:p>
+          <a:p>
+            <a:r>
+              <a:rPr lang="sv-SE" dirty="0"/>
+              <a:t>Kopplat hemsidan till databasen</a:t>
+            </a:r>
+          </a:p>
+          <a:p>
+            <a:r>
+              <a:rPr lang="sv-SE" dirty="0"/>
+              <a:t>Implementerat inloggning/utloggning</a:t>
+            </a:r>
+          </a:p>
+          <a:p>
+            <a:r>
+              <a:rPr lang="sv-SE" dirty="0"/>
+              <a:t>Hämtar frågor från databasen</a:t>
+            </a:r>
+            <a:br>
+              <a:rPr lang="sv-SE" dirty="0"/>
+            </a:br>
+            <a:endParaRPr lang="sv-SE" dirty="0"/>
           </a:p>
         </p:txBody>
       </p:sp>
-      <p:pic>
-        <p:nvPicPr>
-          <p:cNvPr id="5" name="Bildobjekt 4">
-            <a:extLst>
-              <a:ext uri="{FF2B5EF4-FFF2-40B4-BE49-F238E27FC236}">
-                <a16:creationId xmlns:a16="http://schemas.microsoft.com/office/drawing/2014/main" id="{2D2A01BE-ABA3-49E3-8CAC-79F1A70CCFD7}"/>
-              </a:ext>
-            </a:extLst>
-          </p:cNvPr>
-          <p:cNvPicPr>
-            <a:picLocks noChangeAspect="1"/>
-          </p:cNvPicPr>
-          <p:nvPr/>
-        </p:nvPicPr>
-        <p:blipFill>
-          <a:blip r:embed="rId2"/>
-          <a:stretch>
-            <a:fillRect/>
-          </a:stretch>
-        </p:blipFill>
-        <p:spPr>
-          <a:xfrm>
-            <a:off x="5213475" y="2621675"/>
-            <a:ext cx="6167695" cy="3854810"/>
-          </a:xfrm>
-          <a:prstGeom prst="rect">
-            <a:avLst/>
-          </a:prstGeom>
-        </p:spPr>
-      </p:pic>
-      <p:pic>
-        <p:nvPicPr>
-          <p:cNvPr id="7" name="Bildobjekt 6" descr="En bild som visar text&#10;&#10;Automatiskt genererad beskrivning">
-            <a:extLst>
-              <a:ext uri="{FF2B5EF4-FFF2-40B4-BE49-F238E27FC236}">
-                <a16:creationId xmlns:a16="http://schemas.microsoft.com/office/drawing/2014/main" id="{2CDD859A-4B68-4D8B-BE6C-5B08BF761BFD}"/>
-              </a:ext>
-            </a:extLst>
-          </p:cNvPr>
-          <p:cNvPicPr>
-            <a:picLocks noChangeAspect="1"/>
-          </p:cNvPicPr>
-          <p:nvPr/>
-        </p:nvPicPr>
-        <p:blipFill>
-          <a:blip r:embed="rId3">
-            <a:extLst>
-              <a:ext uri="{28A0092B-C50C-407E-A947-70E740481C1C}">
-                <a14:useLocalDpi xmlns:a14="http://schemas.microsoft.com/office/drawing/2010/main" val="0"/>
-              </a:ext>
-            </a:extLst>
-          </a:blip>
-          <a:stretch>
-            <a:fillRect/>
-          </a:stretch>
-        </p:blipFill>
-        <p:spPr>
-          <a:xfrm>
-            <a:off x="433027" y="2842898"/>
-            <a:ext cx="3545083" cy="3633587"/>
-          </a:xfrm>
-          <a:prstGeom prst="rect">
-            <a:avLst/>
-          </a:prstGeom>
-        </p:spPr>
-      </p:pic>
     </p:spTree>
     <p:extLst>
       <p:ext uri="{BB962C8B-B14F-4D97-AF65-F5344CB8AC3E}">
-        <p14:creationId xmlns:p14="http://schemas.microsoft.com/office/powerpoint/2010/main" val="1659018595"/>
+        <p14:creationId xmlns:p14="http://schemas.microsoft.com/office/powerpoint/2010/main" val="2382716734"/>
       </p:ext>
     </p:extLst>
   </p:cSld>
@@ -9469,14 +9385,12 @@
           </a:xfrm>
         </p:spPr>
         <p:txBody>
-          <a:bodyPr>
-            <a:normAutofit/>
-          </a:bodyPr>
+          <a:bodyPr/>
           <a:lstStyle/>
           <a:p>
             <a:r>
               <a:rPr lang="sv-SE" dirty="0"/>
-              <a:t>Lägesrapport produktutveckling</a:t>
+              <a:t>Var är vi nu?</a:t>
             </a:r>
           </a:p>
         </p:txBody>
@@ -9540,12 +9454,115 @@
             </a:br>
             <a:endParaRPr lang="sv-SE" dirty="0"/>
           </a:p>
+          <a:p>
+            <a:pPr marL="0" indent="0">
+              <a:buNone/>
+            </a:pPr>
+            <a:endParaRPr lang="sv-SE" dirty="0"/>
+          </a:p>
+        </p:txBody>
+      </p:sp>
+      <p:pic>
+        <p:nvPicPr>
+          <p:cNvPr id="1028" name="Picture 4" descr="demo">
+            <a:extLst>
+              <a:ext uri="{FF2B5EF4-FFF2-40B4-BE49-F238E27FC236}">
+                <a16:creationId xmlns:a16="http://schemas.microsoft.com/office/drawing/2014/main" id="{36EFB328-2E13-4667-8BF9-4F259DC7C712}"/>
+              </a:ext>
+            </a:extLst>
+          </p:cNvPr>
+          <p:cNvPicPr>
+            <a:picLocks noChangeAspect="1" noChangeArrowheads="1"/>
+          </p:cNvPicPr>
+          <p:nvPr/>
+        </p:nvPicPr>
+        <p:blipFill>
+          <a:blip r:embed="rId2">
+            <a:extLst>
+              <a:ext uri="{28A0092B-C50C-407E-A947-70E740481C1C}">
+                <a14:useLocalDpi xmlns:a14="http://schemas.microsoft.com/office/drawing/2010/main" val="0"/>
+              </a:ext>
+            </a:extLst>
+          </a:blip>
+          <a:srcRect/>
+          <a:stretch>
+            <a:fillRect/>
+          </a:stretch>
+        </p:blipFill>
+        <p:spPr bwMode="auto">
+          <a:xfrm>
+            <a:off x="5202621" y="1708768"/>
+            <a:ext cx="5974449" cy="4308209"/>
+          </a:xfrm>
+          <a:prstGeom prst="rect">
+            <a:avLst/>
+          </a:prstGeom>
+          <a:noFill/>
+          <a:extLst>
+            <a:ext uri="{909E8E84-426E-40DD-AFC4-6F175D3DCCD1}">
+              <a14:hiddenFill xmlns:a14="http://schemas.microsoft.com/office/drawing/2010/main">
+                <a:solidFill>
+                  <a:srgbClr val="FFFFFF"/>
+                </a:solidFill>
+              </a14:hiddenFill>
+            </a:ext>
+          </a:extLst>
+        </p:spPr>
+      </p:pic>
+      <p:sp>
+        <p:nvSpPr>
+          <p:cNvPr id="4" name="Rektangel 3">
+            <a:extLst>
+              <a:ext uri="{FF2B5EF4-FFF2-40B4-BE49-F238E27FC236}">
+                <a16:creationId xmlns:a16="http://schemas.microsoft.com/office/drawing/2014/main" id="{63C04421-5D93-4234-BF4D-B315717B361D}"/>
+              </a:ext>
+            </a:extLst>
+          </p:cNvPr>
+          <p:cNvSpPr/>
+          <p:nvPr/>
+        </p:nvSpPr>
+        <p:spPr>
+          <a:xfrm>
+            <a:off x="6367215" y="5409284"/>
+            <a:ext cx="1643720" cy="923330"/>
+          </a:xfrm>
+          <a:prstGeom prst="rect">
+            <a:avLst/>
+          </a:prstGeom>
+          <a:noFill/>
+        </p:spPr>
+        <p:txBody>
+          <a:bodyPr wrap="none" lIns="91440" tIns="45720" rIns="91440" bIns="45720">
+            <a:spAutoFit/>
+          </a:bodyPr>
+          <a:lstStyle/>
+          <a:p>
+            <a:pPr algn="ctr"/>
+            <a:r>
+              <a:rPr lang="sv-SE" sz="5400" b="1" cap="none" spc="0" dirty="0">
+                <a:ln w="12700">
+                  <a:solidFill>
+                    <a:schemeClr val="accent5"/>
+                  </a:solidFill>
+                  <a:prstDash val="solid"/>
+                </a:ln>
+                <a:solidFill>
+                  <a:schemeClr val="accent6">
+                    <a:lumMod val="20000"/>
+                    <a:lumOff val="80000"/>
+                  </a:schemeClr>
+                </a:solidFill>
+                <a:effectLst/>
+              </a:rPr>
+              <a:t>Filip</a:t>
+            </a:r>
+          </a:p>
         </p:txBody>
       </p:sp>
     </p:spTree>
     <p:extLst>
       <p:ext uri="{BB962C8B-B14F-4D97-AF65-F5344CB8AC3E}">
-        <p14:creationId xmlns:p14="http://schemas.microsoft.com/office/powerpoint/2010/main" val="2382716734"/>
+        <p14:creationId xmlns:p14="http://schemas.microsoft.com/office/powerpoint/2010/main" val="2927480642"/>
       </p:ext>
     </p:extLst>
   </p:cSld>
@@ -9577,7 +9594,7 @@
           <p:cNvPr id="2" name="Rubrik 1">
             <a:extLst>
               <a:ext uri="{FF2B5EF4-FFF2-40B4-BE49-F238E27FC236}">
-                <a16:creationId xmlns:a16="http://schemas.microsoft.com/office/drawing/2014/main" id="{7767DC5E-94C6-4FF9-9C47-787B0833E6CB}"/>
+                <a16:creationId xmlns:a16="http://schemas.microsoft.com/office/drawing/2014/main" id="{C1FD5ACB-50C6-48A3-AD86-D1153B361578}"/>
               </a:ext>
             </a:extLst>
           </p:cNvPr>
@@ -9588,19 +9605,14 @@
             <p:ph type="title"/>
           </p:nvPr>
         </p:nvSpPr>
-        <p:spPr>
-          <a:xfrm>
-            <a:off x="550863" y="520994"/>
-            <a:ext cx="11091600" cy="1332000"/>
-          </a:xfrm>
-        </p:spPr>
+        <p:spPr/>
         <p:txBody>
           <a:bodyPr/>
           <a:lstStyle/>
           <a:p>
             <a:r>
               <a:rPr lang="sv-SE" dirty="0"/>
-              <a:t>Var är vi nu?</a:t>
+              <a:t>Möjligheter och risker</a:t>
             </a:r>
           </a:p>
         </p:txBody>
@@ -9610,7 +9622,7 @@
           <p:cNvPr id="3" name="Platshållare för innehåll 2">
             <a:extLst>
               <a:ext uri="{FF2B5EF4-FFF2-40B4-BE49-F238E27FC236}">
-                <a16:creationId xmlns:a16="http://schemas.microsoft.com/office/drawing/2014/main" id="{CA28809E-7149-46A5-A34E-249F5E23ADC6}"/>
+                <a16:creationId xmlns:a16="http://schemas.microsoft.com/office/drawing/2014/main" id="{478837E4-BA69-48F2-A5B1-02BE5560D7C9}"/>
               </a:ext>
             </a:extLst>
           </p:cNvPr>
@@ -9621,140 +9633,19 @@
             <p:ph idx="1"/>
           </p:nvPr>
         </p:nvSpPr>
-        <p:spPr>
-          <a:xfrm>
-            <a:off x="550863" y="2160333"/>
-            <a:ext cx="11090274" cy="3979625"/>
-          </a:xfrm>
-        </p:spPr>
+        <p:spPr/>
         <p:txBody>
           <a:bodyPr/>
           <a:lstStyle/>
           <a:p>
-            <a:r>
-              <a:rPr lang="sv-SE" dirty="0"/>
-              <a:t>Vi har skapat en designbas</a:t>
-            </a:r>
-          </a:p>
-          <a:p>
-            <a:r>
-              <a:rPr lang="sv-SE" dirty="0"/>
-              <a:t>Implementerat databas</a:t>
-            </a:r>
-          </a:p>
-          <a:p>
-            <a:r>
-              <a:rPr lang="sv-SE" dirty="0"/>
-              <a:t>Kopplat hemsidan till databasen</a:t>
-            </a:r>
-            <a:br>
-              <a:rPr lang="sv-SE" dirty="0"/>
-            </a:br>
             <a:endParaRPr lang="sv-SE" dirty="0"/>
-          </a:p>
-        </p:txBody>
-      </p:sp>
-      <p:pic>
-        <p:nvPicPr>
-          <p:cNvPr id="1028" name="Picture 4" descr="demo">
-            <a:extLst>
-              <a:ext uri="{FF2B5EF4-FFF2-40B4-BE49-F238E27FC236}">
-                <a16:creationId xmlns:a16="http://schemas.microsoft.com/office/drawing/2014/main" id="{36EFB328-2E13-4667-8BF9-4F259DC7C712}"/>
-              </a:ext>
-            </a:extLst>
-          </p:cNvPr>
-          <p:cNvPicPr>
-            <a:picLocks noChangeAspect="1" noChangeArrowheads="1"/>
-          </p:cNvPicPr>
-          <p:nvPr/>
-        </p:nvPicPr>
-        <p:blipFill>
-          <a:blip r:embed="rId2">
-            <a:extLst>
-              <a:ext uri="{28A0092B-C50C-407E-A947-70E740481C1C}">
-                <a14:useLocalDpi xmlns:a14="http://schemas.microsoft.com/office/drawing/2010/main" val="0"/>
-              </a:ext>
-            </a:extLst>
-          </a:blip>
-          <a:srcRect/>
-          <a:stretch>
-            <a:fillRect/>
-          </a:stretch>
-        </p:blipFill>
-        <p:spPr bwMode="auto">
-          <a:xfrm>
-            <a:off x="5202621" y="1708768"/>
-            <a:ext cx="5974449" cy="4308209"/>
-          </a:xfrm>
-          <a:prstGeom prst="rect">
-            <a:avLst/>
-          </a:prstGeom>
-          <a:noFill/>
-          <a:extLst>
-            <a:ext uri="{909E8E84-426E-40DD-AFC4-6F175D3DCCD1}">
-              <a14:hiddenFill xmlns:a14="http://schemas.microsoft.com/office/drawing/2010/main">
-                <a:solidFill>
-                  <a:srgbClr val="FFFFFF"/>
-                </a:solidFill>
-              </a14:hiddenFill>
-            </a:ext>
-          </a:extLst>
-        </p:spPr>
-      </p:pic>
-      <p:sp>
-        <p:nvSpPr>
-          <p:cNvPr id="4" name="Rektangel 3">
-            <a:extLst>
-              <a:ext uri="{FF2B5EF4-FFF2-40B4-BE49-F238E27FC236}">
-                <a16:creationId xmlns:a16="http://schemas.microsoft.com/office/drawing/2014/main" id="{63C04421-5D93-4234-BF4D-B315717B361D}"/>
-              </a:ext>
-            </a:extLst>
-          </p:cNvPr>
-          <p:cNvSpPr/>
-          <p:nvPr/>
-        </p:nvSpPr>
-        <p:spPr>
-          <a:xfrm>
-            <a:off x="6367215" y="5409284"/>
-            <a:ext cx="1643720" cy="923330"/>
-          </a:xfrm>
-          <a:prstGeom prst="rect">
-            <a:avLst/>
-          </a:prstGeom>
-          <a:noFill/>
-        </p:spPr>
-        <p:txBody>
-          <a:bodyPr wrap="none" lIns="91440" tIns="45720" rIns="91440" bIns="45720">
-            <a:spAutoFit/>
-          </a:bodyPr>
-          <a:lstStyle/>
-          <a:p>
-            <a:pPr algn="ctr"/>
-            <a:r>
-              <a:rPr lang="sv-SE" sz="5400" b="1" cap="none" spc="0" dirty="0">
-                <a:ln w="12700">
-                  <a:solidFill>
-                    <a:schemeClr val="accent5"/>
-                  </a:solidFill>
-                  <a:prstDash val="solid"/>
-                </a:ln>
-                <a:solidFill>
-                  <a:schemeClr val="accent6">
-                    <a:lumMod val="20000"/>
-                    <a:lumOff val="80000"/>
-                  </a:schemeClr>
-                </a:solidFill>
-                <a:effectLst/>
-              </a:rPr>
-              <a:t>Filip</a:t>
-            </a:r>
           </a:p>
         </p:txBody>
       </p:sp>
     </p:spTree>
     <p:extLst>
       <p:ext uri="{BB962C8B-B14F-4D97-AF65-F5344CB8AC3E}">
-        <p14:creationId xmlns:p14="http://schemas.microsoft.com/office/powerpoint/2010/main" val="2927480642"/>
+        <p14:creationId xmlns:p14="http://schemas.microsoft.com/office/powerpoint/2010/main" val="2844161484"/>
       </p:ext>
     </p:extLst>
   </p:cSld>
@@ -9786,7 +9677,7 @@
           <p:cNvPr id="2" name="Rubrik 1">
             <a:extLst>
               <a:ext uri="{FF2B5EF4-FFF2-40B4-BE49-F238E27FC236}">
-                <a16:creationId xmlns:a16="http://schemas.microsoft.com/office/drawing/2014/main" id="{C1FD5ACB-50C6-48A3-AD86-D1153B361578}"/>
+                <a16:creationId xmlns:a16="http://schemas.microsoft.com/office/drawing/2014/main" id="{8A7A4F0F-578D-4944-9E18-701EF293BC8C}"/>
               </a:ext>
             </a:extLst>
           </p:cNvPr>
@@ -9799,13 +9690,19 @@
         </p:nvSpPr>
         <p:spPr/>
         <p:txBody>
-          <a:bodyPr/>
+          <a:bodyPr>
+            <a:normAutofit fontScale="90000"/>
+          </a:bodyPr>
           <a:lstStyle/>
           <a:p>
             <a:r>
               <a:rPr lang="sv-SE" dirty="0"/>
-              <a:t>Möjligheter och risker</a:t>
-            </a:r>
+              <a:t>Hur ser planen ut framåt?</a:t>
+            </a:r>
+            <a:br>
+              <a:rPr lang="sv-SE" dirty="0"/>
+            </a:br>
+            <a:endParaRPr lang="sv-SE" dirty="0"/>
           </a:p>
         </p:txBody>
       </p:sp>
@@ -9814,7 +9711,7 @@
           <p:cNvPr id="3" name="Platshållare för innehåll 2">
             <a:extLst>
               <a:ext uri="{FF2B5EF4-FFF2-40B4-BE49-F238E27FC236}">
-                <a16:creationId xmlns:a16="http://schemas.microsoft.com/office/drawing/2014/main" id="{478837E4-BA69-48F2-A5B1-02BE5560D7C9}"/>
+                <a16:creationId xmlns:a16="http://schemas.microsoft.com/office/drawing/2014/main" id="{3B50E8F9-5EA9-904D-A20A-D54A370DB418}"/>
               </a:ext>
             </a:extLst>
           </p:cNvPr>
@@ -9830,14 +9727,14 @@
           <a:bodyPr/>
           <a:lstStyle/>
           <a:p>
-            <a:endParaRPr lang="sv-SE" dirty="0"/>
+            <a:endParaRPr lang="sv-SE"/>
           </a:p>
         </p:txBody>
       </p:sp>
     </p:spTree>
     <p:extLst>
       <p:ext uri="{BB962C8B-B14F-4D97-AF65-F5344CB8AC3E}">
-        <p14:creationId xmlns:p14="http://schemas.microsoft.com/office/powerpoint/2010/main" val="2844161484"/>
+        <p14:creationId xmlns:p14="http://schemas.microsoft.com/office/powerpoint/2010/main" val="375868796"/>
       </p:ext>
     </p:extLst>
   </p:cSld>

--- a/Delredovisning/Sustainable Forms presentation.pptx
+++ b/Delredovisning/Sustainable Forms presentation.pptx
@@ -11,9 +11,8 @@
     <p:sldId id="262" r:id="rId5"/>
     <p:sldId id="257" r:id="rId6"/>
     <p:sldId id="258" r:id="rId7"/>
-    <p:sldId id="263" r:id="rId8"/>
-    <p:sldId id="261" r:id="rId9"/>
-    <p:sldId id="265" r:id="rId10"/>
+    <p:sldId id="261" r:id="rId8"/>
+    <p:sldId id="265" r:id="rId9"/>
   </p:sldIdLst>
   <p:sldSz cx="12192000" cy="6858000"/>
   <p:notesSz cx="6858000" cy="9144000"/>
@@ -8720,36 +8719,41 @@
           </a:p>
         </p:txBody>
       </p:sp>
-      <p:sp>
-        <p:nvSpPr>
-          <p:cNvPr id="3" name="Platshållare för innehåll 2">
-            <a:extLst>
-              <a:ext uri="{FF2B5EF4-FFF2-40B4-BE49-F238E27FC236}">
-                <a16:creationId xmlns:a16="http://schemas.microsoft.com/office/drawing/2014/main" id="{7F98FC68-7BBE-4365-A81C-21CFE3B7891B}"/>
-              </a:ext>
-            </a:extLst>
-          </p:cNvPr>
-          <p:cNvSpPr>
-            <a:spLocks noGrp="1"/>
-          </p:cNvSpPr>
+      <p:pic>
+        <p:nvPicPr>
+          <p:cNvPr id="7" name="Platshållare för innehåll 6">
+            <a:extLst>
+              <a:ext uri="{FF2B5EF4-FFF2-40B4-BE49-F238E27FC236}">
+                <a16:creationId xmlns:a16="http://schemas.microsoft.com/office/drawing/2014/main" id="{4695138C-E9D3-504C-AB5C-CF7A739C71C9}"/>
+              </a:ext>
+            </a:extLst>
+          </p:cNvPr>
+          <p:cNvPicPr>
+            <a:picLocks noGrp="1" noChangeAspect="1"/>
+          </p:cNvPicPr>
           <p:nvPr>
             <p:ph idx="1"/>
           </p:nvPr>
-        </p:nvSpPr>
-        <p:spPr/>
-        <p:txBody>
-          <a:bodyPr>
-            <a:normAutofit/>
-          </a:bodyPr>
-          <a:lstStyle/>
-          <a:p>
-            <a:pPr marL="0" indent="0">
-              <a:buNone/>
-            </a:pPr>
-            <a:endParaRPr lang="sv-SE" sz="3600" dirty="0"/>
-          </a:p>
-        </p:txBody>
-      </p:sp>
+        </p:nvPicPr>
+        <p:blipFill>
+          <a:blip r:embed="rId2">
+            <a:extLst>
+              <a:ext uri="{28A0092B-C50C-407E-A947-70E740481C1C}">
+                <a14:useLocalDpi xmlns:a14="http://schemas.microsoft.com/office/drawing/2010/main" val="0"/>
+              </a:ext>
+            </a:extLst>
+          </a:blip>
+          <a:stretch>
+            <a:fillRect/>
+          </a:stretch>
+        </p:blipFill>
+        <p:spPr>
+          <a:xfrm>
+            <a:off x="647114" y="3037263"/>
+            <a:ext cx="10897772" cy="1768358"/>
+          </a:xfrm>
+        </p:spPr>
+      </p:pic>
       <p:sp>
         <p:nvSpPr>
           <p:cNvPr id="4" name="Platshållare för text 3">
@@ -8780,42 +8784,214 @@
           </a:p>
         </p:txBody>
       </p:sp>
-      <p:pic>
-        <p:nvPicPr>
-          <p:cNvPr id="6" name="Bildobjekt 5" descr="En bild som visar bord&#10;&#10;Automatiskt genererad beskrivning">
-            <a:extLst>
-              <a:ext uri="{FF2B5EF4-FFF2-40B4-BE49-F238E27FC236}">
-                <a16:creationId xmlns:a16="http://schemas.microsoft.com/office/drawing/2014/main" id="{240A34B5-9EE5-4917-BAD6-4D59187517E1}"/>
-              </a:ext>
-            </a:extLst>
-          </p:cNvPr>
-          <p:cNvPicPr>
-            <a:picLocks noChangeAspect="1"/>
-          </p:cNvPicPr>
+      <p:sp>
+        <p:nvSpPr>
+          <p:cNvPr id="8" name="Ned 7">
+            <a:extLst>
+              <a:ext uri="{FF2B5EF4-FFF2-40B4-BE49-F238E27FC236}">
+                <a16:creationId xmlns:a16="http://schemas.microsoft.com/office/drawing/2014/main" id="{3B53E36D-4034-114F-A2B7-85413D407B90}"/>
+              </a:ext>
+            </a:extLst>
+          </p:cNvPr>
+          <p:cNvSpPr/>
           <p:nvPr/>
-        </p:nvPicPr>
-        <p:blipFill>
-          <a:blip r:embed="rId2">
-            <a:extLst>
-              <a:ext uri="{28A0092B-C50C-407E-A947-70E740481C1C}">
-                <a14:useLocalDpi xmlns:a14="http://schemas.microsoft.com/office/drawing/2010/main" val="0"/>
-              </a:ext>
-            </a:extLst>
-          </a:blip>
-          <a:stretch>
-            <a:fillRect/>
-          </a:stretch>
-        </p:blipFill>
+        </p:nvSpPr>
+        <p:spPr>
+          <a:xfrm rot="19102906">
+            <a:off x="7404625" y="2049055"/>
+            <a:ext cx="379828" cy="1434904"/>
+          </a:xfrm>
+          <a:prstGeom prst="downArrow">
+            <a:avLst/>
+          </a:prstGeom>
+          <a:solidFill>
+            <a:schemeClr val="tx1"/>
+          </a:solidFill>
+          <a:ln w="28575"/>
+        </p:spPr>
+        <p:style>
+          <a:lnRef idx="2">
+            <a:schemeClr val="accent1">
+              <a:shade val="50000"/>
+            </a:schemeClr>
+          </a:lnRef>
+          <a:fillRef idx="1">
+            <a:schemeClr val="accent1"/>
+          </a:fillRef>
+          <a:effectRef idx="0">
+            <a:schemeClr val="accent1"/>
+          </a:effectRef>
+          <a:fontRef idx="minor">
+            <a:schemeClr val="lt1"/>
+          </a:fontRef>
+        </p:style>
+        <p:txBody>
+          <a:bodyPr rtlCol="0" anchor="ctr"/>
+          <a:lstStyle/>
+          <a:p>
+            <a:pPr algn="ctr"/>
+            <a:endParaRPr lang="sv-SE"/>
+          </a:p>
+        </p:txBody>
+      </p:sp>
+      <p:sp>
+        <p:nvSpPr>
+          <p:cNvPr id="9" name="textruta 8">
+            <a:extLst>
+              <a:ext uri="{FF2B5EF4-FFF2-40B4-BE49-F238E27FC236}">
+                <a16:creationId xmlns:a16="http://schemas.microsoft.com/office/drawing/2014/main" id="{8FA3FFDB-6E4A-E148-9E72-7C3C7E8E0F5F}"/>
+              </a:ext>
+            </a:extLst>
+          </p:cNvPr>
+          <p:cNvSpPr txBox="1"/>
+          <p:nvPr/>
+        </p:nvSpPr>
         <p:spPr>
           <a:xfrm>
-            <a:off x="1" y="2874708"/>
-            <a:ext cx="12198390" cy="3704767"/>
+            <a:off x="6220714" y="887120"/>
+            <a:ext cx="2575555" cy="1200329"/>
           </a:xfrm>
           <a:prstGeom prst="rect">
             <a:avLst/>
           </a:prstGeom>
+          <a:noFill/>
         </p:spPr>
-      </p:pic>
+        <p:txBody>
+          <a:bodyPr wrap="square" rtlCol="0">
+            <a:spAutoFit/>
+          </a:bodyPr>
+          <a:lstStyle/>
+          <a:p>
+            <a:r>
+              <a:rPr lang="sv-SE" dirty="0"/>
+              <a:t>Enligt GANT:</a:t>
+            </a:r>
+          </a:p>
+          <a:p>
+            <a:pPr marL="285750" indent="-285750">
+              <a:buFontTx/>
+              <a:buChar char="-"/>
+            </a:pPr>
+            <a:r>
+              <a:rPr lang="sv-SE" dirty="0"/>
+              <a:t>GUI</a:t>
+            </a:r>
+          </a:p>
+          <a:p>
+            <a:pPr marL="285750" indent="-285750">
+              <a:buFontTx/>
+              <a:buChar char="-"/>
+            </a:pPr>
+            <a:r>
+              <a:rPr lang="sv-SE" dirty="0"/>
+              <a:t>API</a:t>
+            </a:r>
+          </a:p>
+          <a:p>
+            <a:pPr marL="285750" indent="-285750">
+              <a:buFontTx/>
+              <a:buChar char="-"/>
+            </a:pPr>
+            <a:r>
+              <a:rPr lang="sv-SE" dirty="0"/>
+              <a:t>Funktionstest</a:t>
+            </a:r>
+          </a:p>
+        </p:txBody>
+      </p:sp>
+      <p:sp>
+        <p:nvSpPr>
+          <p:cNvPr id="12" name="textruta 11">
+            <a:extLst>
+              <a:ext uri="{FF2B5EF4-FFF2-40B4-BE49-F238E27FC236}">
+                <a16:creationId xmlns:a16="http://schemas.microsoft.com/office/drawing/2014/main" id="{73C2CCC0-791F-1F44-80A7-961E3E527786}"/>
+              </a:ext>
+            </a:extLst>
+          </p:cNvPr>
+          <p:cNvSpPr txBox="1"/>
+          <p:nvPr/>
+        </p:nvSpPr>
+        <p:spPr>
+          <a:xfrm>
+            <a:off x="9357271" y="872896"/>
+            <a:ext cx="2187615" cy="2031325"/>
+          </a:xfrm>
+          <a:prstGeom prst="rect">
+            <a:avLst/>
+          </a:prstGeom>
+          <a:noFill/>
+        </p:spPr>
+        <p:txBody>
+          <a:bodyPr wrap="square" rtlCol="0">
+            <a:spAutoFit/>
+          </a:bodyPr>
+          <a:lstStyle/>
+          <a:p>
+            <a:r>
+              <a:rPr lang="sv-SE" dirty="0"/>
+              <a:t>I verkligheten:</a:t>
+            </a:r>
+          </a:p>
+          <a:p>
+            <a:pPr marL="285750" indent="-285750">
+              <a:buFontTx/>
+              <a:buChar char="-"/>
+            </a:pPr>
+            <a:r>
+              <a:rPr lang="sv-SE" dirty="0" err="1"/>
+              <a:t>Javascript</a:t>
+            </a:r>
+            <a:endParaRPr lang="sv-SE" dirty="0"/>
+          </a:p>
+          <a:p>
+            <a:pPr marL="285750" indent="-285750">
+              <a:buFontTx/>
+              <a:buChar char="-"/>
+            </a:pPr>
+            <a:r>
+              <a:rPr lang="sv-SE" dirty="0"/>
+              <a:t>API</a:t>
+            </a:r>
+          </a:p>
+          <a:p>
+            <a:pPr marL="285750" indent="-285750">
+              <a:buFontTx/>
+              <a:buChar char="-"/>
+            </a:pPr>
+            <a:r>
+              <a:rPr lang="sv-SE" dirty="0"/>
+              <a:t>GUI</a:t>
+            </a:r>
+          </a:p>
+          <a:p>
+            <a:pPr marL="285750" indent="-285750">
+              <a:buFontTx/>
+              <a:buChar char="-"/>
+            </a:pPr>
+            <a:r>
+              <a:rPr lang="sv-SE" dirty="0"/>
+              <a:t>HTML</a:t>
+            </a:r>
+          </a:p>
+          <a:p>
+            <a:pPr marL="285750" indent="-285750">
+              <a:buFontTx/>
+              <a:buChar char="-"/>
+            </a:pPr>
+            <a:r>
+              <a:rPr lang="sv-SE" dirty="0"/>
+              <a:t>Databas</a:t>
+            </a:r>
+          </a:p>
+          <a:p>
+            <a:pPr marL="285750" indent="-285750">
+              <a:buFontTx/>
+              <a:buChar char="-"/>
+            </a:pPr>
+            <a:endParaRPr lang="sv-SE" dirty="0"/>
+          </a:p>
+        </p:txBody>
+      </p:sp>
     </p:spTree>
     <p:extLst>
       <p:ext uri="{BB962C8B-B14F-4D97-AF65-F5344CB8AC3E}">
@@ -9332,6 +9508,157 @@
           </a:p>
         </p:txBody>
       </p:sp>
+      <p:sp>
+        <p:nvSpPr>
+          <p:cNvPr id="10" name="Rubrik 1">
+            <a:extLst>
+              <a:ext uri="{FF2B5EF4-FFF2-40B4-BE49-F238E27FC236}">
+                <a16:creationId xmlns:a16="http://schemas.microsoft.com/office/drawing/2014/main" id="{318B4F21-4D7F-D14E-800F-EF691405CBCF}"/>
+              </a:ext>
+            </a:extLst>
+          </p:cNvPr>
+          <p:cNvSpPr txBox="1">
+            <a:spLocks/>
+          </p:cNvSpPr>
+          <p:nvPr/>
+        </p:nvSpPr>
+        <p:spPr>
+          <a:xfrm>
+            <a:off x="550863" y="520994"/>
+            <a:ext cx="11091600" cy="1332000"/>
+          </a:xfrm>
+          <a:prstGeom prst="rect">
+            <a:avLst/>
+          </a:prstGeom>
+        </p:spPr>
+        <p:txBody>
+          <a:bodyPr vert="horz" wrap="square" lIns="0" tIns="0" rIns="0" bIns="0" rtlCol="0" anchor="t" anchorCtr="0">
+            <a:normAutofit/>
+          </a:bodyPr>
+          <a:lstStyle>
+            <a:lvl1pPr algn="l" defTabSz="914400" rtl="0" eaLnBrk="1" latinLnBrk="0" hangingPunct="1">
+              <a:lnSpc>
+                <a:spcPct val="100000"/>
+              </a:lnSpc>
+              <a:spcBef>
+                <a:spcPct val="0"/>
+              </a:spcBef>
+              <a:buNone/>
+              <a:defRPr lang="en-US" sz="4800" kern="1200" dirty="0">
+                <a:solidFill>
+                  <a:schemeClr val="tx1"/>
+                </a:solidFill>
+                <a:latin typeface="+mj-lt"/>
+                <a:ea typeface="+mj-ea"/>
+                <a:cs typeface="+mj-cs"/>
+              </a:defRPr>
+            </a:lvl1pPr>
+          </a:lstStyle>
+          <a:p>
+            <a:r>
+              <a:rPr lang="sv-SE"/>
+              <a:t>Var är vi nu?</a:t>
+            </a:r>
+          </a:p>
+        </p:txBody>
+      </p:sp>
+      <p:pic>
+        <p:nvPicPr>
+          <p:cNvPr id="11" name="Picture 4" descr="demo">
+            <a:extLst>
+              <a:ext uri="{FF2B5EF4-FFF2-40B4-BE49-F238E27FC236}">
+                <a16:creationId xmlns:a16="http://schemas.microsoft.com/office/drawing/2014/main" id="{8B9AAF0F-F883-0B4F-BB82-5F8DB45E39DA}"/>
+              </a:ext>
+            </a:extLst>
+          </p:cNvPr>
+          <p:cNvPicPr>
+            <a:picLocks noChangeAspect="1" noChangeArrowheads="1"/>
+          </p:cNvPicPr>
+          <p:nvPr/>
+        </p:nvPicPr>
+        <p:blipFill>
+          <a:blip r:embed="rId2">
+            <a:extLst>
+              <a:ext uri="{28A0092B-C50C-407E-A947-70E740481C1C}">
+                <a14:useLocalDpi xmlns:a14="http://schemas.microsoft.com/office/drawing/2010/main" val="0"/>
+              </a:ext>
+            </a:extLst>
+          </a:blip>
+          <a:srcRect/>
+          <a:stretch>
+            <a:fillRect/>
+          </a:stretch>
+        </p:blipFill>
+        <p:spPr bwMode="auto">
+          <a:xfrm>
+            <a:off x="6217551" y="1566886"/>
+            <a:ext cx="5974449" cy="4308209"/>
+          </a:xfrm>
+          <a:prstGeom prst="rect">
+            <a:avLst/>
+          </a:prstGeom>
+          <a:noFill/>
+          <a:extLst>
+            <a:ext uri="{909E8E84-426E-40DD-AFC4-6F175D3DCCD1}">
+              <a14:hiddenFill xmlns:a14="http://schemas.microsoft.com/office/drawing/2010/main">
+                <a:solidFill>
+                  <a:srgbClr val="FFFFFF"/>
+                </a:solidFill>
+              </a14:hiddenFill>
+            </a:ext>
+          </a:extLst>
+        </p:spPr>
+      </p:pic>
+      <p:sp>
+        <p:nvSpPr>
+          <p:cNvPr id="12" name="Rektangel 11">
+            <a:extLst>
+              <a:ext uri="{FF2B5EF4-FFF2-40B4-BE49-F238E27FC236}">
+                <a16:creationId xmlns:a16="http://schemas.microsoft.com/office/drawing/2014/main" id="{EB7F141F-28EA-394E-A275-FF51D8F3CA8D}"/>
+              </a:ext>
+            </a:extLst>
+          </p:cNvPr>
+          <p:cNvSpPr/>
+          <p:nvPr/>
+        </p:nvSpPr>
+        <p:spPr>
+          <a:xfrm>
+            <a:off x="6726030" y="5413430"/>
+            <a:ext cx="1643720" cy="923330"/>
+          </a:xfrm>
+          <a:prstGeom prst="rect">
+            <a:avLst/>
+          </a:prstGeom>
+          <a:noFill/>
+        </p:spPr>
+        <p:txBody>
+          <a:bodyPr wrap="none" lIns="91440" tIns="45720" rIns="91440" bIns="45720">
+            <a:spAutoFit/>
+          </a:bodyPr>
+          <a:lstStyle/>
+          <a:p>
+            <a:pPr algn="ctr"/>
+            <a:r>
+              <a:rPr lang="sv-SE" sz="5400" b="1" cap="none" spc="0" dirty="0">
+                <a:ln w="12700">
+                  <a:solidFill>
+                    <a:schemeClr val="accent5"/>
+                  </a:solidFill>
+                  <a:prstDash val="solid"/>
+                </a:ln>
+                <a:solidFill>
+                  <a:schemeClr val="accent6">
+                    <a:lumMod val="20000"/>
+                    <a:lumOff val="80000"/>
+                  </a:schemeClr>
+                </a:solidFill>
+                <a:effectLst/>
+              </a:rPr>
+              <a:t>Filip</a:t>
+            </a:r>
+          </a:p>
+        </p:txBody>
+      </p:sp>
     </p:spTree>
     <p:extLst>
       <p:ext uri="{BB962C8B-B14F-4D97-AF65-F5344CB8AC3E}">
@@ -9342,6 +9669,401 @@
   <p:clrMapOvr>
     <a:masterClrMapping/>
   </p:clrMapOvr>
+  <p:timing>
+    <p:tnLst>
+      <p:par>
+        <p:cTn id="1" dur="indefinite" restart="never" nodeType="tmRoot">
+          <p:childTnLst>
+            <p:seq concurrent="1" nextAc="seek">
+              <p:cTn id="2" dur="indefinite" nodeType="mainSeq">
+                <p:childTnLst>
+                  <p:par>
+                    <p:cTn id="3" fill="hold">
+                      <p:stCondLst>
+                        <p:cond delay="indefinite"/>
+                      </p:stCondLst>
+                      <p:childTnLst>
+                        <p:par>
+                          <p:cTn id="4" fill="hold">
+                            <p:stCondLst>
+                              <p:cond delay="0"/>
+                            </p:stCondLst>
+                            <p:childTnLst>
+                              <p:par>
+                                <p:cTn id="5" presetID="42" presetClass="exit" presetSubtype="0" fill="hold" grpId="0" nodeType="clickEffect">
+                                  <p:stCondLst>
+                                    <p:cond delay="0"/>
+                                  </p:stCondLst>
+                                  <p:childTnLst>
+                                    <p:animEffect transition="out" filter="fade">
+                                      <p:cBhvr>
+                                        <p:cTn id="6" dur="1000"/>
+                                        <p:tgtEl>
+                                          <p:spTgt spid="2"/>
+                                        </p:tgtEl>
+                                      </p:cBhvr>
+                                    </p:animEffect>
+                                    <p:anim calcmode="lin" valueType="num">
+                                      <p:cBhvr>
+                                        <p:cTn id="7" dur="1000"/>
+                                        <p:tgtEl>
+                                          <p:spTgt spid="2"/>
+                                        </p:tgtEl>
+                                        <p:attrNameLst>
+                                          <p:attrName>ppt_x</p:attrName>
+                                        </p:attrNameLst>
+                                      </p:cBhvr>
+                                      <p:tavLst>
+                                        <p:tav tm="0">
+                                          <p:val>
+                                            <p:strVal val="ppt_x"/>
+                                          </p:val>
+                                        </p:tav>
+                                        <p:tav tm="100000">
+                                          <p:val>
+                                            <p:strVal val="ppt_x"/>
+                                          </p:val>
+                                        </p:tav>
+                                      </p:tavLst>
+                                    </p:anim>
+                                    <p:anim calcmode="lin" valueType="num">
+                                      <p:cBhvr>
+                                        <p:cTn id="8" dur="1000"/>
+                                        <p:tgtEl>
+                                          <p:spTgt spid="2"/>
+                                        </p:tgtEl>
+                                        <p:attrNameLst>
+                                          <p:attrName>ppt_y</p:attrName>
+                                        </p:attrNameLst>
+                                      </p:cBhvr>
+                                      <p:tavLst>
+                                        <p:tav tm="0">
+                                          <p:val>
+                                            <p:strVal val="ppt_y"/>
+                                          </p:val>
+                                        </p:tav>
+                                        <p:tav tm="100000">
+                                          <p:val>
+                                            <p:strVal val="ppt_y+.1"/>
+                                          </p:val>
+                                        </p:tav>
+                                      </p:tavLst>
+                                    </p:anim>
+                                    <p:set>
+                                      <p:cBhvr>
+                                        <p:cTn id="9" dur="1" fill="hold">
+                                          <p:stCondLst>
+                                            <p:cond delay="999"/>
+                                          </p:stCondLst>
+                                        </p:cTn>
+                                        <p:tgtEl>
+                                          <p:spTgt spid="2"/>
+                                        </p:tgtEl>
+                                        <p:attrNameLst>
+                                          <p:attrName>style.visibility</p:attrName>
+                                        </p:attrNameLst>
+                                      </p:cBhvr>
+                                      <p:to>
+                                        <p:strVal val="hidden"/>
+                                      </p:to>
+                                    </p:set>
+                                  </p:childTnLst>
+                                </p:cTn>
+                              </p:par>
+                            </p:childTnLst>
+                          </p:cTn>
+                        </p:par>
+                      </p:childTnLst>
+                    </p:cTn>
+                  </p:par>
+                  <p:par>
+                    <p:cTn id="10" fill="hold">
+                      <p:stCondLst>
+                        <p:cond delay="indefinite"/>
+                      </p:stCondLst>
+                      <p:childTnLst>
+                        <p:par>
+                          <p:cTn id="11" fill="hold">
+                            <p:stCondLst>
+                              <p:cond delay="0"/>
+                            </p:stCondLst>
+                            <p:childTnLst>
+                              <p:par>
+                                <p:cTn id="12" presetID="42" presetClass="entr" presetSubtype="0" fill="hold" grpId="0" nodeType="clickEffect">
+                                  <p:stCondLst>
+                                    <p:cond delay="0"/>
+                                  </p:stCondLst>
+                                  <p:childTnLst>
+                                    <p:set>
+                                      <p:cBhvr>
+                                        <p:cTn id="13" dur="1" fill="hold">
+                                          <p:stCondLst>
+                                            <p:cond delay="0"/>
+                                          </p:stCondLst>
+                                        </p:cTn>
+                                        <p:tgtEl>
+                                          <p:spTgt spid="10"/>
+                                        </p:tgtEl>
+                                        <p:attrNameLst>
+                                          <p:attrName>style.visibility</p:attrName>
+                                        </p:attrNameLst>
+                                      </p:cBhvr>
+                                      <p:to>
+                                        <p:strVal val="visible"/>
+                                      </p:to>
+                                    </p:set>
+                                    <p:animEffect transition="in" filter="fade">
+                                      <p:cBhvr>
+                                        <p:cTn id="14" dur="1000"/>
+                                        <p:tgtEl>
+                                          <p:spTgt spid="10"/>
+                                        </p:tgtEl>
+                                      </p:cBhvr>
+                                    </p:animEffect>
+                                    <p:anim calcmode="lin" valueType="num">
+                                      <p:cBhvr>
+                                        <p:cTn id="15" dur="1000" fill="hold"/>
+                                        <p:tgtEl>
+                                          <p:spTgt spid="10"/>
+                                        </p:tgtEl>
+                                        <p:attrNameLst>
+                                          <p:attrName>ppt_x</p:attrName>
+                                        </p:attrNameLst>
+                                      </p:cBhvr>
+                                      <p:tavLst>
+                                        <p:tav tm="0">
+                                          <p:val>
+                                            <p:strVal val="#ppt_x"/>
+                                          </p:val>
+                                        </p:tav>
+                                        <p:tav tm="100000">
+                                          <p:val>
+                                            <p:strVal val="#ppt_x"/>
+                                          </p:val>
+                                        </p:tav>
+                                      </p:tavLst>
+                                    </p:anim>
+                                    <p:anim calcmode="lin" valueType="num">
+                                      <p:cBhvr>
+                                        <p:cTn id="16" dur="1000" fill="hold"/>
+                                        <p:tgtEl>
+                                          <p:spTgt spid="10"/>
+                                        </p:tgtEl>
+                                        <p:attrNameLst>
+                                          <p:attrName>ppt_y</p:attrName>
+                                        </p:attrNameLst>
+                                      </p:cBhvr>
+                                      <p:tavLst>
+                                        <p:tav tm="0">
+                                          <p:val>
+                                            <p:strVal val="#ppt_y+.1"/>
+                                          </p:val>
+                                        </p:tav>
+                                        <p:tav tm="100000">
+                                          <p:val>
+                                            <p:strVal val="#ppt_y"/>
+                                          </p:val>
+                                        </p:tav>
+                                      </p:tavLst>
+                                    </p:anim>
+                                  </p:childTnLst>
+                                </p:cTn>
+                              </p:par>
+                              <p:par>
+                                <p:cTn id="17" presetID="42" presetClass="entr" presetSubtype="0" fill="hold" nodeType="withEffect">
+                                  <p:stCondLst>
+                                    <p:cond delay="0"/>
+                                  </p:stCondLst>
+                                  <p:childTnLst>
+                                    <p:set>
+                                      <p:cBhvr>
+                                        <p:cTn id="18" dur="1" fill="hold">
+                                          <p:stCondLst>
+                                            <p:cond delay="0"/>
+                                          </p:stCondLst>
+                                        </p:cTn>
+                                        <p:tgtEl>
+                                          <p:spTgt spid="11"/>
+                                        </p:tgtEl>
+                                        <p:attrNameLst>
+                                          <p:attrName>style.visibility</p:attrName>
+                                        </p:attrNameLst>
+                                      </p:cBhvr>
+                                      <p:to>
+                                        <p:strVal val="visible"/>
+                                      </p:to>
+                                    </p:set>
+                                    <p:animEffect transition="in" filter="fade">
+                                      <p:cBhvr>
+                                        <p:cTn id="19" dur="1000"/>
+                                        <p:tgtEl>
+                                          <p:spTgt spid="11"/>
+                                        </p:tgtEl>
+                                      </p:cBhvr>
+                                    </p:animEffect>
+                                    <p:anim calcmode="lin" valueType="num">
+                                      <p:cBhvr>
+                                        <p:cTn id="20" dur="1000" fill="hold"/>
+                                        <p:tgtEl>
+                                          <p:spTgt spid="11"/>
+                                        </p:tgtEl>
+                                        <p:attrNameLst>
+                                          <p:attrName>ppt_x</p:attrName>
+                                        </p:attrNameLst>
+                                      </p:cBhvr>
+                                      <p:tavLst>
+                                        <p:tav tm="0">
+                                          <p:val>
+                                            <p:strVal val="#ppt_x"/>
+                                          </p:val>
+                                        </p:tav>
+                                        <p:tav tm="100000">
+                                          <p:val>
+                                            <p:strVal val="#ppt_x"/>
+                                          </p:val>
+                                        </p:tav>
+                                      </p:tavLst>
+                                    </p:anim>
+                                    <p:anim calcmode="lin" valueType="num">
+                                      <p:cBhvr>
+                                        <p:cTn id="21" dur="1000" fill="hold"/>
+                                        <p:tgtEl>
+                                          <p:spTgt spid="11"/>
+                                        </p:tgtEl>
+                                        <p:attrNameLst>
+                                          <p:attrName>ppt_y</p:attrName>
+                                        </p:attrNameLst>
+                                      </p:cBhvr>
+                                      <p:tavLst>
+                                        <p:tav tm="0">
+                                          <p:val>
+                                            <p:strVal val="#ppt_y+.1"/>
+                                          </p:val>
+                                        </p:tav>
+                                        <p:tav tm="100000">
+                                          <p:val>
+                                            <p:strVal val="#ppt_y"/>
+                                          </p:val>
+                                        </p:tav>
+                                      </p:tavLst>
+                                    </p:anim>
+                                  </p:childTnLst>
+                                </p:cTn>
+                              </p:par>
+                              <p:par>
+                                <p:cTn id="22" presetID="42" presetClass="entr" presetSubtype="0" fill="hold" grpId="0" nodeType="withEffect">
+                                  <p:stCondLst>
+                                    <p:cond delay="0"/>
+                                  </p:stCondLst>
+                                  <p:childTnLst>
+                                    <p:set>
+                                      <p:cBhvr>
+                                        <p:cTn id="23" dur="1" fill="hold">
+                                          <p:stCondLst>
+                                            <p:cond delay="0"/>
+                                          </p:stCondLst>
+                                        </p:cTn>
+                                        <p:tgtEl>
+                                          <p:spTgt spid="12"/>
+                                        </p:tgtEl>
+                                        <p:attrNameLst>
+                                          <p:attrName>style.visibility</p:attrName>
+                                        </p:attrNameLst>
+                                      </p:cBhvr>
+                                      <p:to>
+                                        <p:strVal val="visible"/>
+                                      </p:to>
+                                    </p:set>
+                                    <p:animEffect transition="in" filter="fade">
+                                      <p:cBhvr>
+                                        <p:cTn id="24" dur="1000"/>
+                                        <p:tgtEl>
+                                          <p:spTgt spid="12"/>
+                                        </p:tgtEl>
+                                      </p:cBhvr>
+                                    </p:animEffect>
+                                    <p:anim calcmode="lin" valueType="num">
+                                      <p:cBhvr>
+                                        <p:cTn id="25" dur="1000" fill="hold"/>
+                                        <p:tgtEl>
+                                          <p:spTgt spid="12"/>
+                                        </p:tgtEl>
+                                        <p:attrNameLst>
+                                          <p:attrName>ppt_x</p:attrName>
+                                        </p:attrNameLst>
+                                      </p:cBhvr>
+                                      <p:tavLst>
+                                        <p:tav tm="0">
+                                          <p:val>
+                                            <p:strVal val="#ppt_x"/>
+                                          </p:val>
+                                        </p:tav>
+                                        <p:tav tm="100000">
+                                          <p:val>
+                                            <p:strVal val="#ppt_x"/>
+                                          </p:val>
+                                        </p:tav>
+                                      </p:tavLst>
+                                    </p:anim>
+                                    <p:anim calcmode="lin" valueType="num">
+                                      <p:cBhvr>
+                                        <p:cTn id="26" dur="1000" fill="hold"/>
+                                        <p:tgtEl>
+                                          <p:spTgt spid="12"/>
+                                        </p:tgtEl>
+                                        <p:attrNameLst>
+                                          <p:attrName>ppt_y</p:attrName>
+                                        </p:attrNameLst>
+                                      </p:cBhvr>
+                                      <p:tavLst>
+                                        <p:tav tm="0">
+                                          <p:val>
+                                            <p:strVal val="#ppt_y+.1"/>
+                                          </p:val>
+                                        </p:tav>
+                                        <p:tav tm="100000">
+                                          <p:val>
+                                            <p:strVal val="#ppt_y"/>
+                                          </p:val>
+                                        </p:tav>
+                                      </p:tavLst>
+                                    </p:anim>
+                                  </p:childTnLst>
+                                </p:cTn>
+                              </p:par>
+                            </p:childTnLst>
+                          </p:cTn>
+                        </p:par>
+                      </p:childTnLst>
+                    </p:cTn>
+                  </p:par>
+                </p:childTnLst>
+              </p:cTn>
+              <p:prevCondLst>
+                <p:cond evt="onPrev" delay="0">
+                  <p:tgtEl>
+                    <p:sldTgt/>
+                  </p:tgtEl>
+                </p:cond>
+              </p:prevCondLst>
+              <p:nextCondLst>
+                <p:cond evt="onNext" delay="0">
+                  <p:tgtEl>
+                    <p:sldTgt/>
+                  </p:tgtEl>
+                </p:cond>
+              </p:nextCondLst>
+            </p:seq>
+          </p:childTnLst>
+        </p:cTn>
+      </p:par>
+    </p:tnLst>
+    <p:bldLst>
+      <p:bldP spid="2" grpId="0"/>
+      <p:bldP spid="10" grpId="0"/>
+      <p:bldP spid="12" grpId="0"/>
+    </p:bldLst>
+  </p:timing>
 </p:sld>
 </file>
 
@@ -9367,233 +10089,6 @@
           <p:cNvPr id="2" name="Rubrik 1">
             <a:extLst>
               <a:ext uri="{FF2B5EF4-FFF2-40B4-BE49-F238E27FC236}">
-                <a16:creationId xmlns:a16="http://schemas.microsoft.com/office/drawing/2014/main" id="{7767DC5E-94C6-4FF9-9C47-787B0833E6CB}"/>
-              </a:ext>
-            </a:extLst>
-          </p:cNvPr>
-          <p:cNvSpPr>
-            <a:spLocks noGrp="1"/>
-          </p:cNvSpPr>
-          <p:nvPr>
-            <p:ph type="title"/>
-          </p:nvPr>
-        </p:nvSpPr>
-        <p:spPr>
-          <a:xfrm>
-            <a:off x="550863" y="520994"/>
-            <a:ext cx="11091600" cy="1332000"/>
-          </a:xfrm>
-        </p:spPr>
-        <p:txBody>
-          <a:bodyPr/>
-          <a:lstStyle/>
-          <a:p>
-            <a:r>
-              <a:rPr lang="sv-SE" dirty="0"/>
-              <a:t>Var är vi nu?</a:t>
-            </a:r>
-          </a:p>
-        </p:txBody>
-      </p:sp>
-      <p:sp>
-        <p:nvSpPr>
-          <p:cNvPr id="3" name="Platshållare för innehåll 2">
-            <a:extLst>
-              <a:ext uri="{FF2B5EF4-FFF2-40B4-BE49-F238E27FC236}">
-                <a16:creationId xmlns:a16="http://schemas.microsoft.com/office/drawing/2014/main" id="{CA28809E-7149-46A5-A34E-249F5E23ADC6}"/>
-              </a:ext>
-            </a:extLst>
-          </p:cNvPr>
-          <p:cNvSpPr>
-            <a:spLocks noGrp="1"/>
-          </p:cNvSpPr>
-          <p:nvPr>
-            <p:ph idx="1"/>
-          </p:nvPr>
-        </p:nvSpPr>
-        <p:spPr>
-          <a:xfrm>
-            <a:off x="550863" y="2160333"/>
-            <a:ext cx="11090274" cy="3979625"/>
-          </a:xfrm>
-        </p:spPr>
-        <p:txBody>
-          <a:bodyPr/>
-          <a:lstStyle/>
-          <a:p>
-            <a:r>
-              <a:rPr lang="sv-SE" dirty="0"/>
-              <a:t>Vi har skapat en designbas</a:t>
-            </a:r>
-          </a:p>
-          <a:p>
-            <a:r>
-              <a:rPr lang="sv-SE" dirty="0"/>
-              <a:t>Implementerat databas</a:t>
-            </a:r>
-          </a:p>
-          <a:p>
-            <a:r>
-              <a:rPr lang="sv-SE" dirty="0"/>
-              <a:t>Kopplat hemsidan till databasen</a:t>
-            </a:r>
-          </a:p>
-          <a:p>
-            <a:r>
-              <a:rPr lang="sv-SE" dirty="0"/>
-              <a:t>Implementerat inloggning/utloggning</a:t>
-            </a:r>
-          </a:p>
-          <a:p>
-            <a:r>
-              <a:rPr lang="sv-SE"/>
-              <a:t>Hämtar frågor från databasen</a:t>
-            </a:r>
-            <a:br>
-              <a:rPr lang="sv-SE" dirty="0"/>
-            </a:br>
-            <a:endParaRPr lang="sv-SE" dirty="0"/>
-          </a:p>
-          <a:p>
-            <a:pPr marL="0" indent="0">
-              <a:buNone/>
-            </a:pPr>
-            <a:endParaRPr lang="sv-SE" dirty="0"/>
-          </a:p>
-        </p:txBody>
-      </p:sp>
-      <p:pic>
-        <p:nvPicPr>
-          <p:cNvPr id="1028" name="Picture 4" descr="demo">
-            <a:extLst>
-              <a:ext uri="{FF2B5EF4-FFF2-40B4-BE49-F238E27FC236}">
-                <a16:creationId xmlns:a16="http://schemas.microsoft.com/office/drawing/2014/main" id="{36EFB328-2E13-4667-8BF9-4F259DC7C712}"/>
-              </a:ext>
-            </a:extLst>
-          </p:cNvPr>
-          <p:cNvPicPr>
-            <a:picLocks noChangeAspect="1" noChangeArrowheads="1"/>
-          </p:cNvPicPr>
-          <p:nvPr/>
-        </p:nvPicPr>
-        <p:blipFill>
-          <a:blip r:embed="rId2">
-            <a:extLst>
-              <a:ext uri="{28A0092B-C50C-407E-A947-70E740481C1C}">
-                <a14:useLocalDpi xmlns:a14="http://schemas.microsoft.com/office/drawing/2010/main" val="0"/>
-              </a:ext>
-            </a:extLst>
-          </a:blip>
-          <a:srcRect/>
-          <a:stretch>
-            <a:fillRect/>
-          </a:stretch>
-        </p:blipFill>
-        <p:spPr bwMode="auto">
-          <a:xfrm>
-            <a:off x="5202621" y="1708768"/>
-            <a:ext cx="5974449" cy="4308209"/>
-          </a:xfrm>
-          <a:prstGeom prst="rect">
-            <a:avLst/>
-          </a:prstGeom>
-          <a:noFill/>
-          <a:extLst>
-            <a:ext uri="{909E8E84-426E-40DD-AFC4-6F175D3DCCD1}">
-              <a14:hiddenFill xmlns:a14="http://schemas.microsoft.com/office/drawing/2010/main">
-                <a:solidFill>
-                  <a:srgbClr val="FFFFFF"/>
-                </a:solidFill>
-              </a14:hiddenFill>
-            </a:ext>
-          </a:extLst>
-        </p:spPr>
-      </p:pic>
-      <p:sp>
-        <p:nvSpPr>
-          <p:cNvPr id="4" name="Rektangel 3">
-            <a:extLst>
-              <a:ext uri="{FF2B5EF4-FFF2-40B4-BE49-F238E27FC236}">
-                <a16:creationId xmlns:a16="http://schemas.microsoft.com/office/drawing/2014/main" id="{63C04421-5D93-4234-BF4D-B315717B361D}"/>
-              </a:ext>
-            </a:extLst>
-          </p:cNvPr>
-          <p:cNvSpPr/>
-          <p:nvPr/>
-        </p:nvSpPr>
-        <p:spPr>
-          <a:xfrm>
-            <a:off x="6367215" y="5409284"/>
-            <a:ext cx="1643720" cy="923330"/>
-          </a:xfrm>
-          <a:prstGeom prst="rect">
-            <a:avLst/>
-          </a:prstGeom>
-          <a:noFill/>
-        </p:spPr>
-        <p:txBody>
-          <a:bodyPr wrap="none" lIns="91440" tIns="45720" rIns="91440" bIns="45720">
-            <a:spAutoFit/>
-          </a:bodyPr>
-          <a:lstStyle/>
-          <a:p>
-            <a:pPr algn="ctr"/>
-            <a:r>
-              <a:rPr lang="sv-SE" sz="5400" b="1" cap="none" spc="0" dirty="0">
-                <a:ln w="12700">
-                  <a:solidFill>
-                    <a:schemeClr val="accent5"/>
-                  </a:solidFill>
-                  <a:prstDash val="solid"/>
-                </a:ln>
-                <a:solidFill>
-                  <a:schemeClr val="accent6">
-                    <a:lumMod val="20000"/>
-                    <a:lumOff val="80000"/>
-                  </a:schemeClr>
-                </a:solidFill>
-                <a:effectLst/>
-              </a:rPr>
-              <a:t>Filip</a:t>
-            </a:r>
-          </a:p>
-        </p:txBody>
-      </p:sp>
-    </p:spTree>
-    <p:extLst>
-      <p:ext uri="{BB962C8B-B14F-4D97-AF65-F5344CB8AC3E}">
-        <p14:creationId xmlns:p14="http://schemas.microsoft.com/office/powerpoint/2010/main" val="2927480642"/>
-      </p:ext>
-    </p:extLst>
-  </p:cSld>
-  <p:clrMapOvr>
-    <a:masterClrMapping/>
-  </p:clrMapOvr>
-</p:sld>
-</file>
-
-<file path=ppt/slides/slide8.xml><?xml version="1.0" encoding="utf-8"?>
-<p:sld xmlns:a="http://schemas.openxmlformats.org/drawingml/2006/main" xmlns:r="http://schemas.openxmlformats.org/officeDocument/2006/relationships" xmlns:p="http://schemas.openxmlformats.org/presentationml/2006/main">
-  <p:cSld>
-    <p:spTree>
-      <p:nvGrpSpPr>
-        <p:cNvPr id="1" name=""/>
-        <p:cNvGrpSpPr/>
-        <p:nvPr/>
-      </p:nvGrpSpPr>
-      <p:grpSpPr>
-        <a:xfrm>
-          <a:off x="0" y="0"/>
-          <a:ext cx="0" cy="0"/>
-          <a:chOff x="0" y="0"/>
-          <a:chExt cx="0" cy="0"/>
-        </a:xfrm>
-      </p:grpSpPr>
-      <p:sp>
-        <p:nvSpPr>
-          <p:cNvPr id="2" name="Rubrik 1">
-            <a:extLst>
-              <a:ext uri="{FF2B5EF4-FFF2-40B4-BE49-F238E27FC236}">
                 <a16:creationId xmlns:a16="http://schemas.microsoft.com/office/drawing/2014/main" id="{C1FD5ACB-50C6-48A3-AD86-D1153B361578}"/>
               </a:ext>
             </a:extLst>
@@ -9655,7 +10150,7 @@
 </p:sld>
 </file>
 
-<file path=ppt/slides/slide9.xml><?xml version="1.0" encoding="utf-8"?>
+<file path=ppt/slides/slide8.xml><?xml version="1.0" encoding="utf-8"?>
 <p:sld xmlns:a="http://schemas.openxmlformats.org/drawingml/2006/main" xmlns:r="http://schemas.openxmlformats.org/officeDocument/2006/relationships" xmlns:p="http://schemas.openxmlformats.org/presentationml/2006/main">
   <p:cSld>
     <p:spTree>

--- a/Delredovisning/Sustainable Forms presentation.pptx
+++ b/Delredovisning/Sustainable Forms presentation.pptx
@@ -284,7 +284,7 @@
           <a:p>
             <a:fld id="{72EA7947-E287-4738-8C82-07CE4F01EF03}" type="datetime2">
               <a:rPr lang="en-US" smtClean="0"/>
-              <a:t>Tuesday, November 16, 2021</a:t>
+              <a:t>Wednesday, November 17, 2021</a:t>
             </a:fld>
             <a:endParaRPr lang="en-US" dirty="0"/>
           </a:p>
@@ -1320,7 +1320,7 @@
           <a:p>
             <a:fld id="{EE2EBD84-71F4-4271-8C46-0D47C0A9B12E}" type="datetime2">
               <a:rPr lang="en-US" smtClean="0"/>
-              <a:t>Tuesday, November 16, 2021</a:t>
+              <a:t>Wednesday, November 17, 2021</a:t>
             </a:fld>
             <a:endParaRPr lang="en-US"/>
           </a:p>
@@ -1531,7 +1531,7 @@
           <a:p>
             <a:fld id="{ABAE0CE1-F450-4107-B2CB-17B18F8A3F4A}" type="datetime2">
               <a:rPr lang="en-US" smtClean="0"/>
-              <a:t>Tuesday, November 16, 2021</a:t>
+              <a:t>Wednesday, November 17, 2021</a:t>
             </a:fld>
             <a:endParaRPr lang="en-US"/>
           </a:p>
@@ -2196,7 +2196,7 @@
           <a:p>
             <a:fld id="{6FE8C025-CD7A-4966-867E-81CF82B15267}" type="datetime2">
               <a:rPr lang="en-US" smtClean="0"/>
-              <a:t>Tuesday, November 16, 2021</a:t>
+              <a:t>Wednesday, November 17, 2021</a:t>
             </a:fld>
             <a:endParaRPr lang="en-US"/>
           </a:p>
@@ -2816,7 +2816,7 @@
           <a:p>
             <a:fld id="{FE809929-0719-4517-94D6-FDF7F99E70F6}" type="datetime2">
               <a:rPr lang="en-US" smtClean="0"/>
-              <a:t>Tuesday, November 16, 2021</a:t>
+              <a:t>Wednesday, November 17, 2021</a:t>
             </a:fld>
             <a:endParaRPr lang="en-US"/>
           </a:p>
@@ -3934,7 +3934,7 @@
           <a:p>
             <a:fld id="{20E95673-5512-4AAA-9AEB-E00C61EC65D5}" type="datetime2">
               <a:rPr lang="en-US" smtClean="0"/>
-              <a:t>Tuesday, November 16, 2021</a:t>
+              <a:t>Wednesday, November 17, 2021</a:t>
             </a:fld>
             <a:endParaRPr lang="en-US"/>
           </a:p>
@@ -4481,7 +4481,7 @@
           <a:p>
             <a:fld id="{C13138FA-2E87-4873-8BBA-13E447C9A99A}" type="datetime2">
               <a:rPr lang="en-US" smtClean="0"/>
-              <a:t>Tuesday, November 16, 2021</a:t>
+              <a:t>Wednesday, November 17, 2021</a:t>
             </a:fld>
             <a:endParaRPr lang="en-US"/>
           </a:p>
@@ -4642,7 +4642,7 @@
           <a:p>
             <a:fld id="{D75BB40A-97BD-4BFB-B639-0BFF95FDE8B7}" type="datetime2">
               <a:rPr lang="en-US" smtClean="0"/>
-              <a:t>Tuesday, November 16, 2021</a:t>
+              <a:t>Wednesday, November 17, 2021</a:t>
             </a:fld>
             <a:endParaRPr lang="en-US"/>
           </a:p>
@@ -5677,7 +5677,7 @@
           <a:p>
             <a:fld id="{9EE9E0E3-ECF6-4CFE-8698-AEFEBCECC3C0}" type="datetime2">
               <a:rPr lang="en-US" smtClean="0"/>
-              <a:t>Tuesday, November 16, 2021</a:t>
+              <a:t>Wednesday, November 17, 2021</a:t>
             </a:fld>
             <a:endParaRPr lang="en-US"/>
           </a:p>
@@ -6323,7 +6323,7 @@
           <a:p>
             <a:fld id="{251462FC-960E-4740-921F-B36862979F21}" type="datetime2">
               <a:rPr lang="en-US" smtClean="0"/>
-              <a:t>Tuesday, November 16, 2021</a:t>
+              <a:t>Wednesday, November 17, 2021</a:t>
             </a:fld>
             <a:endParaRPr lang="en-US"/>
           </a:p>
@@ -7087,7 +7087,7 @@
           <a:p>
             <a:fld id="{E50BC9E2-CB44-4C05-9BB5-496C18A241E0}" type="datetime2">
               <a:rPr lang="en-US" smtClean="0"/>
-              <a:t>Tuesday, November 16, 2021</a:t>
+              <a:t>Wednesday, November 17, 2021</a:t>
             </a:fld>
             <a:endParaRPr lang="en-US"/>
           </a:p>
@@ -7340,7 +7340,7 @@
           <a:p>
             <a:fld id="{246CB39B-5F4C-4A7E-9BE3-AAFD45576D16}" type="datetime2">
               <a:rPr lang="en-US" smtClean="0"/>
-              <a:t>Tuesday, November 16, 2021</a:t>
+              <a:t>Wednesday, November 17, 2021</a:t>
             </a:fld>
             <a:endParaRPr lang="en-US" dirty="0"/>
           </a:p>
@@ -10222,7 +10222,34 @@
           <a:bodyPr/>
           <a:lstStyle/>
           <a:p>
-            <a:endParaRPr lang="sv-SE"/>
+            <a:r>
+              <a:rPr lang="sv-SE" dirty="0"/>
+              <a:t>Implementera färdigt </a:t>
+            </a:r>
+            <a:r>
+              <a:rPr lang="sv-SE" dirty="0" err="1"/>
+              <a:t>admin</a:t>
+            </a:r>
+            <a:r>
+              <a:rPr lang="sv-SE" dirty="0"/>
+              <a:t> sidan</a:t>
+            </a:r>
+          </a:p>
+          <a:p>
+            <a:r>
+              <a:rPr lang="sv-SE" dirty="0"/>
+              <a:t>Färdigställa designen på hemsidan</a:t>
+            </a:r>
+          </a:p>
+          <a:p>
+            <a:r>
+              <a:rPr lang="sv-SE" dirty="0"/>
+              <a:t>Ladda upp hemsidan på en server samt </a:t>
+            </a:r>
+            <a:r>
+              <a:rPr lang="sv-SE"/>
+              <a:t>en databas</a:t>
+            </a:r>
           </a:p>
         </p:txBody>
       </p:sp>

--- a/Delredovisning/Sustainable Forms presentation.pptx
+++ b/Delredovisning/Sustainable Forms presentation.pptx
@@ -10128,12 +10128,38 @@
             <p:ph idx="1"/>
           </p:nvPr>
         </p:nvSpPr>
-        <p:spPr/>
+        <p:spPr>
+          <a:xfrm>
+            <a:off x="550863" y="2329100"/>
+            <a:ext cx="11090274" cy="3979625"/>
+          </a:xfrm>
+        </p:spPr>
         <p:txBody>
           <a:bodyPr/>
           <a:lstStyle/>
           <a:p>
-            <a:endParaRPr lang="sv-SE" dirty="0"/>
+            <a:r>
+              <a:rPr lang="sv-SE" dirty="0"/>
+              <a:t>identifierade både projekt- och produktrisker</a:t>
+            </a:r>
+          </a:p>
+          <a:p>
+            <a:r>
+              <a:rPr lang="sv-SE" dirty="0"/>
+              <a:t>bristfällig kommunikation bland projektmedlemmarna.</a:t>
+            </a:r>
+          </a:p>
+          <a:p>
+            <a:r>
+              <a:rPr lang="sv-SE" dirty="0"/>
+              <a:t>produkten inte skulle vara tillräckligt intuitiv</a:t>
+            </a:r>
+          </a:p>
+          <a:p>
+            <a:r>
+              <a:rPr lang="sv-SE" dirty="0"/>
+              <a:t>Möjligheter –&gt; bättre planering </a:t>
+            </a:r>
           </a:p>
         </p:txBody>
       </p:sp>

--- a/Delredovisning/Sustainable Forms presentation.pptx
+++ b/Delredovisning/Sustainable Forms presentation.pptx
@@ -9441,9 +9441,10 @@
           <a:lstStyle/>
           <a:p>
             <a:r>
-              <a:rPr lang="sv-SE" dirty="0"/>
-              <a:t>Lägesrapport produktutveckling</a:t>
-            </a:r>
+              <a:rPr lang="sv-SE"/>
+              <a:t>Lägesrapport utveckling</a:t>
+            </a:r>
+            <a:endParaRPr lang="sv-SE" dirty="0"/>
           </a:p>
         </p:txBody>
       </p:sp>
@@ -9555,10 +9556,7 @@
             </a:lvl1pPr>
           </a:lstStyle>
           <a:p>
-            <a:r>
-              <a:rPr lang="sv-SE"/>
-              <a:t>Var är vi nu?</a:t>
-            </a:r>
+            <a:endParaRPr lang="sv-SE" dirty="0"/>
           </a:p>
         </p:txBody>
       </p:sp>
@@ -9789,10 +9787,15 @@
                             </p:stCondLst>
                             <p:childTnLst>
                               <p:par>
-                                <p:cTn id="12" presetID="42" presetClass="entr" presetSubtype="0" fill="hold" grpId="0" nodeType="clickEffect">
+                                <p:cTn id="12" presetID="42" presetClass="entr" presetSubtype="0" fill="hold" grpId="0" nodeType="clickEffect" nodePh="1">
                                   <p:stCondLst>
                                     <p:cond delay="0"/>
                                   </p:stCondLst>
+                                  <p:endCondLst>
+                                    <p:cond evt="begin" delay="0">
+                                      <p:tn val="12"/>
+                                    </p:cond>
+                                  </p:endCondLst>
                                   <p:childTnLst>
                                     <p:set>
                                       <p:cBhvr>
